--- a/Basic Statistics Theoetical.pptx
+++ b/Basic Statistics Theoetical.pptx
@@ -452,6 +452,30 @@
             <pc:docMk/>
             <pc:sldMk cId="3184059119" sldId="300"/>
             <ac:spMk id="2" creationId="{0EA3772B-5824-4B27-825C-6DE2B83789ED}"/>
+          </ac:spMkLst>
+        </pc:spChg>
+      </pc:sldChg>
+    </pc:docChg>
+  </pc:docChgLst>
+  <pc:docChgLst>
+    <pc:chgData name="Alicia DeLouize" userId="9301433e-ee05-475f-8121-c77c1781dd75" providerId="ADAL" clId="{FADE0370-77D2-4ED8-AFB5-7228758BDE82}"/>
+    <pc:docChg chg="custSel modSld">
+      <pc:chgData name="Alicia DeLouize" userId="9301433e-ee05-475f-8121-c77c1781dd75" providerId="ADAL" clId="{FADE0370-77D2-4ED8-AFB5-7228758BDE82}" dt="2019-11-04T17:47:40.593" v="27" actId="404"/>
+      <pc:docMkLst>
+        <pc:docMk/>
+      </pc:docMkLst>
+      <pc:sldChg chg="modSp">
+        <pc:chgData name="Alicia DeLouize" userId="9301433e-ee05-475f-8121-c77c1781dd75" providerId="ADAL" clId="{FADE0370-77D2-4ED8-AFB5-7228758BDE82}" dt="2019-11-04T17:47:40.593" v="27" actId="404"/>
+        <pc:sldMkLst>
+          <pc:docMk/>
+          <pc:sldMk cId="2223338560" sldId="256"/>
+        </pc:sldMkLst>
+        <pc:spChg chg="mod">
+          <ac:chgData name="Alicia DeLouize" userId="9301433e-ee05-475f-8121-c77c1781dd75" providerId="ADAL" clId="{FADE0370-77D2-4ED8-AFB5-7228758BDE82}" dt="2019-11-04T17:47:40.593" v="27" actId="404"/>
+          <ac:spMkLst>
+            <pc:docMk/>
+            <pc:sldMk cId="2223338560" sldId="256"/>
+            <ac:spMk id="3" creationId="{00000000-0000-0000-0000-000000000000}"/>
           </ac:spMkLst>
         </pc:spChg>
       </pc:sldChg>
@@ -2881,6 +2905,753 @@
 </file>
 
 <file path=ppt/diagrams/colors3.xml><?xml version="1.0" encoding="utf-8"?>
+<dgm:colorsDef xmlns:dgm="http://schemas.openxmlformats.org/drawingml/2006/diagram" xmlns:a="http://schemas.openxmlformats.org/drawingml/2006/main" uniqueId="urn:microsoft.com/office/officeart/2005/8/colors/accent1_2">
+  <dgm:title val=""/>
+  <dgm:desc val=""/>
+  <dgm:catLst>
+    <dgm:cat type="accent1" pri="11200"/>
+  </dgm:catLst>
+  <dgm:styleLbl name="node0">
+    <dgm:fillClrLst meth="repeat">
+      <a:schemeClr val="accent1"/>
+    </dgm:fillClrLst>
+    <dgm:linClrLst meth="repeat">
+      <a:schemeClr val="lt1"/>
+    </dgm:linClrLst>
+    <dgm:effectClrLst/>
+    <dgm:txLinClrLst/>
+    <dgm:txFillClrLst/>
+    <dgm:txEffectClrLst/>
+  </dgm:styleLbl>
+  <dgm:styleLbl name="alignNode1">
+    <dgm:fillClrLst meth="repeat">
+      <a:schemeClr val="accent1"/>
+    </dgm:fillClrLst>
+    <dgm:linClrLst meth="repeat">
+      <a:schemeClr val="accent1"/>
+    </dgm:linClrLst>
+    <dgm:effectClrLst/>
+    <dgm:txLinClrLst/>
+    <dgm:txFillClrLst/>
+    <dgm:txEffectClrLst/>
+  </dgm:styleLbl>
+  <dgm:styleLbl name="node1">
+    <dgm:fillClrLst meth="repeat">
+      <a:schemeClr val="accent1"/>
+    </dgm:fillClrLst>
+    <dgm:linClrLst meth="repeat">
+      <a:schemeClr val="lt1"/>
+    </dgm:linClrLst>
+    <dgm:effectClrLst/>
+    <dgm:txLinClrLst/>
+    <dgm:txFillClrLst/>
+    <dgm:txEffectClrLst/>
+  </dgm:styleLbl>
+  <dgm:styleLbl name="lnNode1">
+    <dgm:fillClrLst meth="repeat">
+      <a:schemeClr val="accent1"/>
+    </dgm:fillClrLst>
+    <dgm:linClrLst meth="repeat">
+      <a:schemeClr val="lt1"/>
+    </dgm:linClrLst>
+    <dgm:effectClrLst/>
+    <dgm:txLinClrLst/>
+    <dgm:txFillClrLst/>
+    <dgm:txEffectClrLst/>
+  </dgm:styleLbl>
+  <dgm:styleLbl name="vennNode1">
+    <dgm:fillClrLst meth="repeat">
+      <a:schemeClr val="accent1">
+        <a:alpha val="50000"/>
+      </a:schemeClr>
+    </dgm:fillClrLst>
+    <dgm:linClrLst meth="repeat">
+      <a:schemeClr val="lt1"/>
+    </dgm:linClrLst>
+    <dgm:effectClrLst/>
+    <dgm:txLinClrLst/>
+    <dgm:txFillClrLst/>
+    <dgm:txEffectClrLst/>
+  </dgm:styleLbl>
+  <dgm:styleLbl name="node2">
+    <dgm:fillClrLst meth="repeat">
+      <a:schemeClr val="accent1"/>
+    </dgm:fillClrLst>
+    <dgm:linClrLst meth="repeat">
+      <a:schemeClr val="lt1"/>
+    </dgm:linClrLst>
+    <dgm:effectClrLst/>
+    <dgm:txLinClrLst/>
+    <dgm:txFillClrLst/>
+    <dgm:txEffectClrLst/>
+  </dgm:styleLbl>
+  <dgm:styleLbl name="node3">
+    <dgm:fillClrLst meth="repeat">
+      <a:schemeClr val="accent1"/>
+    </dgm:fillClrLst>
+    <dgm:linClrLst meth="repeat">
+      <a:schemeClr val="lt1"/>
+    </dgm:linClrLst>
+    <dgm:effectClrLst/>
+    <dgm:txLinClrLst/>
+    <dgm:txFillClrLst/>
+    <dgm:txEffectClrLst/>
+  </dgm:styleLbl>
+  <dgm:styleLbl name="node4">
+    <dgm:fillClrLst meth="repeat">
+      <a:schemeClr val="accent1"/>
+    </dgm:fillClrLst>
+    <dgm:linClrLst meth="repeat">
+      <a:schemeClr val="lt1"/>
+    </dgm:linClrLst>
+    <dgm:effectClrLst/>
+    <dgm:txLinClrLst/>
+    <dgm:txFillClrLst/>
+    <dgm:txEffectClrLst/>
+  </dgm:styleLbl>
+  <dgm:styleLbl name="fgImgPlace1">
+    <dgm:fillClrLst meth="repeat">
+      <a:schemeClr val="accent1">
+        <a:tint val="50000"/>
+      </a:schemeClr>
+    </dgm:fillClrLst>
+    <dgm:linClrLst meth="repeat">
+      <a:schemeClr val="lt1"/>
+    </dgm:linClrLst>
+    <dgm:effectClrLst/>
+    <dgm:txLinClrLst/>
+    <dgm:txFillClrLst meth="repeat">
+      <a:schemeClr val="lt1"/>
+    </dgm:txFillClrLst>
+    <dgm:txEffectClrLst/>
+  </dgm:styleLbl>
+  <dgm:styleLbl name="alignImgPlace1">
+    <dgm:fillClrLst meth="repeat">
+      <a:schemeClr val="accent1">
+        <a:tint val="50000"/>
+      </a:schemeClr>
+    </dgm:fillClrLst>
+    <dgm:linClrLst meth="repeat">
+      <a:schemeClr val="lt1"/>
+    </dgm:linClrLst>
+    <dgm:effectClrLst/>
+    <dgm:txLinClrLst/>
+    <dgm:txFillClrLst meth="repeat">
+      <a:schemeClr val="lt1"/>
+    </dgm:txFillClrLst>
+    <dgm:txEffectClrLst/>
+  </dgm:styleLbl>
+  <dgm:styleLbl name="bgImgPlace1">
+    <dgm:fillClrLst meth="repeat">
+      <a:schemeClr val="accent1">
+        <a:tint val="50000"/>
+      </a:schemeClr>
+    </dgm:fillClrLst>
+    <dgm:linClrLst meth="repeat">
+      <a:schemeClr val="lt1"/>
+    </dgm:linClrLst>
+    <dgm:effectClrLst/>
+    <dgm:txLinClrLst/>
+    <dgm:txFillClrLst meth="repeat">
+      <a:schemeClr val="lt1"/>
+    </dgm:txFillClrLst>
+    <dgm:txEffectClrLst/>
+  </dgm:styleLbl>
+  <dgm:styleLbl name="sibTrans2D1">
+    <dgm:fillClrLst meth="repeat">
+      <a:schemeClr val="accent1">
+        <a:tint val="60000"/>
+      </a:schemeClr>
+    </dgm:fillClrLst>
+    <dgm:linClrLst meth="repeat">
+      <a:schemeClr val="accent1">
+        <a:tint val="60000"/>
+      </a:schemeClr>
+    </dgm:linClrLst>
+    <dgm:effectClrLst/>
+    <dgm:txLinClrLst/>
+    <dgm:txFillClrLst/>
+    <dgm:txEffectClrLst/>
+  </dgm:styleLbl>
+  <dgm:styleLbl name="fgSibTrans2D1">
+    <dgm:fillClrLst meth="repeat">
+      <a:schemeClr val="accent1">
+        <a:tint val="60000"/>
+      </a:schemeClr>
+    </dgm:fillClrLst>
+    <dgm:linClrLst meth="repeat">
+      <a:schemeClr val="accent1">
+        <a:tint val="60000"/>
+      </a:schemeClr>
+    </dgm:linClrLst>
+    <dgm:effectClrLst/>
+    <dgm:txLinClrLst/>
+    <dgm:txFillClrLst/>
+    <dgm:txEffectClrLst/>
+  </dgm:styleLbl>
+  <dgm:styleLbl name="bgSibTrans2D1">
+    <dgm:fillClrLst meth="repeat">
+      <a:schemeClr val="accent1">
+        <a:tint val="60000"/>
+      </a:schemeClr>
+    </dgm:fillClrLst>
+    <dgm:linClrLst meth="repeat">
+      <a:schemeClr val="accent1">
+        <a:tint val="60000"/>
+      </a:schemeClr>
+    </dgm:linClrLst>
+    <dgm:effectClrLst/>
+    <dgm:txLinClrLst/>
+    <dgm:txFillClrLst/>
+    <dgm:txEffectClrLst/>
+  </dgm:styleLbl>
+  <dgm:styleLbl name="sibTrans1D1">
+    <dgm:fillClrLst meth="repeat">
+      <a:schemeClr val="accent1"/>
+    </dgm:fillClrLst>
+    <dgm:linClrLst meth="repeat">
+      <a:schemeClr val="accent1"/>
+    </dgm:linClrLst>
+    <dgm:effectClrLst/>
+    <dgm:txLinClrLst/>
+    <dgm:txFillClrLst meth="repeat">
+      <a:schemeClr val="tx1"/>
+    </dgm:txFillClrLst>
+    <dgm:txEffectClrLst/>
+  </dgm:styleLbl>
+  <dgm:styleLbl name="callout">
+    <dgm:fillClrLst meth="repeat">
+      <a:schemeClr val="accent1"/>
+    </dgm:fillClrLst>
+    <dgm:linClrLst meth="repeat">
+      <a:schemeClr val="accent1">
+        <a:tint val="50000"/>
+      </a:schemeClr>
+    </dgm:linClrLst>
+    <dgm:effectClrLst/>
+    <dgm:txLinClrLst/>
+    <dgm:txFillClrLst meth="repeat">
+      <a:schemeClr val="tx1"/>
+    </dgm:txFillClrLst>
+    <dgm:txEffectClrLst/>
+  </dgm:styleLbl>
+  <dgm:styleLbl name="asst0">
+    <dgm:fillClrLst meth="repeat">
+      <a:schemeClr val="accent1"/>
+    </dgm:fillClrLst>
+    <dgm:linClrLst meth="repeat">
+      <a:schemeClr val="lt1"/>
+    </dgm:linClrLst>
+    <dgm:effectClrLst/>
+    <dgm:txLinClrLst/>
+    <dgm:txFillClrLst/>
+    <dgm:txEffectClrLst/>
+  </dgm:styleLbl>
+  <dgm:styleLbl name="asst1">
+    <dgm:fillClrLst meth="repeat">
+      <a:schemeClr val="accent1"/>
+    </dgm:fillClrLst>
+    <dgm:linClrLst meth="repeat">
+      <a:schemeClr val="lt1"/>
+    </dgm:linClrLst>
+    <dgm:effectClrLst/>
+    <dgm:txLinClrLst/>
+    <dgm:txFillClrLst/>
+    <dgm:txEffectClrLst/>
+  </dgm:styleLbl>
+  <dgm:styleLbl name="asst2">
+    <dgm:fillClrLst meth="repeat">
+      <a:schemeClr val="accent1"/>
+    </dgm:fillClrLst>
+    <dgm:linClrLst meth="repeat">
+      <a:schemeClr val="lt1"/>
+    </dgm:linClrLst>
+    <dgm:effectClrLst/>
+    <dgm:txLinClrLst/>
+    <dgm:txFillClrLst/>
+    <dgm:txEffectClrLst/>
+  </dgm:styleLbl>
+  <dgm:styleLbl name="asst3">
+    <dgm:fillClrLst meth="repeat">
+      <a:schemeClr val="accent1"/>
+    </dgm:fillClrLst>
+    <dgm:linClrLst meth="repeat">
+      <a:schemeClr val="lt1"/>
+    </dgm:linClrLst>
+    <dgm:effectClrLst/>
+    <dgm:txLinClrLst/>
+    <dgm:txFillClrLst/>
+    <dgm:txEffectClrLst/>
+  </dgm:styleLbl>
+  <dgm:styleLbl name="asst4">
+    <dgm:fillClrLst meth="repeat">
+      <a:schemeClr val="accent1"/>
+    </dgm:fillClrLst>
+    <dgm:linClrLst meth="repeat">
+      <a:schemeClr val="lt1"/>
+    </dgm:linClrLst>
+    <dgm:effectClrLst/>
+    <dgm:txLinClrLst/>
+    <dgm:txFillClrLst/>
+    <dgm:txEffectClrLst/>
+  </dgm:styleLbl>
+  <dgm:styleLbl name="parChTrans2D1">
+    <dgm:fillClrLst meth="repeat">
+      <a:schemeClr val="accent1">
+        <a:tint val="60000"/>
+      </a:schemeClr>
+    </dgm:fillClrLst>
+    <dgm:linClrLst meth="repeat">
+      <a:schemeClr val="accent1">
+        <a:tint val="60000"/>
+      </a:schemeClr>
+    </dgm:linClrLst>
+    <dgm:effectClrLst/>
+    <dgm:txLinClrLst/>
+    <dgm:txFillClrLst meth="repeat">
+      <a:schemeClr val="lt1"/>
+    </dgm:txFillClrLst>
+    <dgm:txEffectClrLst/>
+  </dgm:styleLbl>
+  <dgm:styleLbl name="parChTrans2D2">
+    <dgm:fillClrLst meth="repeat">
+      <a:schemeClr val="accent1"/>
+    </dgm:fillClrLst>
+    <dgm:linClrLst meth="repeat">
+      <a:schemeClr val="accent1"/>
+    </dgm:linClrLst>
+    <dgm:effectClrLst/>
+    <dgm:txLinClrLst/>
+    <dgm:txFillClrLst meth="repeat">
+      <a:schemeClr val="lt1"/>
+    </dgm:txFillClrLst>
+    <dgm:txEffectClrLst/>
+  </dgm:styleLbl>
+  <dgm:styleLbl name="parChTrans2D3">
+    <dgm:fillClrLst meth="repeat">
+      <a:schemeClr val="accent1"/>
+    </dgm:fillClrLst>
+    <dgm:linClrLst meth="repeat">
+      <a:schemeClr val="accent1"/>
+    </dgm:linClrLst>
+    <dgm:effectClrLst/>
+    <dgm:txLinClrLst/>
+    <dgm:txFillClrLst meth="repeat">
+      <a:schemeClr val="lt1"/>
+    </dgm:txFillClrLst>
+    <dgm:txEffectClrLst/>
+  </dgm:styleLbl>
+  <dgm:styleLbl name="parChTrans2D4">
+    <dgm:fillClrLst meth="repeat">
+      <a:schemeClr val="accent1"/>
+    </dgm:fillClrLst>
+    <dgm:linClrLst meth="repeat">
+      <a:schemeClr val="accent1"/>
+    </dgm:linClrLst>
+    <dgm:effectClrLst/>
+    <dgm:txLinClrLst/>
+    <dgm:txFillClrLst meth="repeat">
+      <a:schemeClr val="lt1"/>
+    </dgm:txFillClrLst>
+    <dgm:txEffectClrLst/>
+  </dgm:styleLbl>
+  <dgm:styleLbl name="parChTrans1D1">
+    <dgm:fillClrLst meth="repeat">
+      <a:schemeClr val="accent1"/>
+    </dgm:fillClrLst>
+    <dgm:linClrLst meth="repeat">
+      <a:schemeClr val="accent1">
+        <a:shade val="60000"/>
+      </a:schemeClr>
+    </dgm:linClrLst>
+    <dgm:effectClrLst/>
+    <dgm:txLinClrLst/>
+    <dgm:txFillClrLst meth="repeat">
+      <a:schemeClr val="tx1"/>
+    </dgm:txFillClrLst>
+    <dgm:txEffectClrLst/>
+  </dgm:styleLbl>
+  <dgm:styleLbl name="parChTrans1D2">
+    <dgm:fillClrLst meth="repeat">
+      <a:schemeClr val="accent1"/>
+    </dgm:fillClrLst>
+    <dgm:linClrLst meth="repeat">
+      <a:schemeClr val="accent1">
+        <a:shade val="60000"/>
+      </a:schemeClr>
+    </dgm:linClrLst>
+    <dgm:effectClrLst/>
+    <dgm:txLinClrLst/>
+    <dgm:txFillClrLst meth="repeat">
+      <a:schemeClr val="tx1"/>
+    </dgm:txFillClrLst>
+    <dgm:txEffectClrLst/>
+  </dgm:styleLbl>
+  <dgm:styleLbl name="parChTrans1D3">
+    <dgm:fillClrLst meth="repeat">
+      <a:schemeClr val="accent1"/>
+    </dgm:fillClrLst>
+    <dgm:linClrLst meth="repeat">
+      <a:schemeClr val="accent1">
+        <a:shade val="80000"/>
+      </a:schemeClr>
+    </dgm:linClrLst>
+    <dgm:effectClrLst/>
+    <dgm:txLinClrLst/>
+    <dgm:txFillClrLst meth="repeat">
+      <a:schemeClr val="tx1"/>
+    </dgm:txFillClrLst>
+    <dgm:txEffectClrLst/>
+  </dgm:styleLbl>
+  <dgm:styleLbl name="parChTrans1D4">
+    <dgm:fillClrLst meth="repeat">
+      <a:schemeClr val="accent1"/>
+    </dgm:fillClrLst>
+    <dgm:linClrLst meth="repeat">
+      <a:schemeClr val="accent1">
+        <a:shade val="80000"/>
+      </a:schemeClr>
+    </dgm:linClrLst>
+    <dgm:effectClrLst/>
+    <dgm:txLinClrLst/>
+    <dgm:txFillClrLst meth="repeat">
+      <a:schemeClr val="tx1"/>
+    </dgm:txFillClrLst>
+    <dgm:txEffectClrLst/>
+  </dgm:styleLbl>
+  <dgm:styleLbl name="fgAcc1">
+    <dgm:fillClrLst meth="repeat">
+      <a:schemeClr val="lt1">
+        <a:alpha val="90000"/>
+      </a:schemeClr>
+    </dgm:fillClrLst>
+    <dgm:linClrLst meth="repeat">
+      <a:schemeClr val="accent1"/>
+    </dgm:linClrLst>
+    <dgm:effectClrLst/>
+    <dgm:txLinClrLst/>
+    <dgm:txFillClrLst meth="repeat">
+      <a:schemeClr val="dk1"/>
+    </dgm:txFillClrLst>
+    <dgm:txEffectClrLst/>
+  </dgm:styleLbl>
+  <dgm:styleLbl name="conFgAcc1">
+    <dgm:fillClrLst meth="repeat">
+      <a:schemeClr val="lt1">
+        <a:alpha val="90000"/>
+      </a:schemeClr>
+    </dgm:fillClrLst>
+    <dgm:linClrLst meth="repeat">
+      <a:schemeClr val="accent1"/>
+    </dgm:linClrLst>
+    <dgm:effectClrLst/>
+    <dgm:txLinClrLst/>
+    <dgm:txFillClrLst meth="repeat">
+      <a:schemeClr val="dk1"/>
+    </dgm:txFillClrLst>
+    <dgm:txEffectClrLst/>
+  </dgm:styleLbl>
+  <dgm:styleLbl name="alignAcc1">
+    <dgm:fillClrLst meth="repeat">
+      <a:schemeClr val="lt1">
+        <a:alpha val="90000"/>
+      </a:schemeClr>
+    </dgm:fillClrLst>
+    <dgm:linClrLst meth="repeat">
+      <a:schemeClr val="accent1"/>
+    </dgm:linClrLst>
+    <dgm:effectClrLst/>
+    <dgm:txLinClrLst/>
+    <dgm:txFillClrLst meth="repeat">
+      <a:schemeClr val="dk1"/>
+    </dgm:txFillClrLst>
+    <dgm:txEffectClrLst/>
+  </dgm:styleLbl>
+  <dgm:styleLbl name="trAlignAcc1">
+    <dgm:fillClrLst meth="repeat">
+      <a:schemeClr val="lt1">
+        <a:alpha val="40000"/>
+      </a:schemeClr>
+    </dgm:fillClrLst>
+    <dgm:linClrLst meth="repeat">
+      <a:schemeClr val="accent1"/>
+    </dgm:linClrLst>
+    <dgm:effectClrLst/>
+    <dgm:txLinClrLst/>
+    <dgm:txFillClrLst meth="repeat">
+      <a:schemeClr val="dk1"/>
+    </dgm:txFillClrLst>
+    <dgm:txEffectClrLst/>
+  </dgm:styleLbl>
+  <dgm:styleLbl name="bgAcc1">
+    <dgm:fillClrLst meth="repeat">
+      <a:schemeClr val="lt1">
+        <a:alpha val="90000"/>
+      </a:schemeClr>
+    </dgm:fillClrLst>
+    <dgm:linClrLst meth="repeat">
+      <a:schemeClr val="accent1"/>
+    </dgm:linClrLst>
+    <dgm:effectClrLst/>
+    <dgm:txLinClrLst/>
+    <dgm:txFillClrLst meth="repeat">
+      <a:schemeClr val="dk1"/>
+    </dgm:txFillClrLst>
+    <dgm:txEffectClrLst/>
+  </dgm:styleLbl>
+  <dgm:styleLbl name="solidFgAcc1">
+    <dgm:fillClrLst meth="repeat">
+      <a:schemeClr val="lt1"/>
+    </dgm:fillClrLst>
+    <dgm:linClrLst meth="repeat">
+      <a:schemeClr val="accent1"/>
+    </dgm:linClrLst>
+    <dgm:effectClrLst/>
+    <dgm:txLinClrLst/>
+    <dgm:txFillClrLst meth="repeat">
+      <a:schemeClr val="dk1"/>
+    </dgm:txFillClrLst>
+    <dgm:txEffectClrLst/>
+  </dgm:styleLbl>
+  <dgm:styleLbl name="solidAlignAcc1">
+    <dgm:fillClrLst meth="repeat">
+      <a:schemeClr val="lt1"/>
+    </dgm:fillClrLst>
+    <dgm:linClrLst meth="repeat">
+      <a:schemeClr val="accent1"/>
+    </dgm:linClrLst>
+    <dgm:effectClrLst/>
+    <dgm:txLinClrLst/>
+    <dgm:txFillClrLst meth="repeat">
+      <a:schemeClr val="dk1"/>
+    </dgm:txFillClrLst>
+    <dgm:txEffectClrLst/>
+  </dgm:styleLbl>
+  <dgm:styleLbl name="solidBgAcc1">
+    <dgm:fillClrLst meth="repeat">
+      <a:schemeClr val="lt1"/>
+    </dgm:fillClrLst>
+    <dgm:linClrLst meth="repeat">
+      <a:schemeClr val="accent1"/>
+    </dgm:linClrLst>
+    <dgm:effectClrLst/>
+    <dgm:txLinClrLst/>
+    <dgm:txFillClrLst meth="repeat">
+      <a:schemeClr val="dk1"/>
+    </dgm:txFillClrLst>
+    <dgm:txEffectClrLst/>
+  </dgm:styleLbl>
+  <dgm:styleLbl name="fgAccFollowNode1">
+    <dgm:fillClrLst meth="repeat">
+      <a:schemeClr val="accent1">
+        <a:alpha val="90000"/>
+        <a:tint val="40000"/>
+      </a:schemeClr>
+    </dgm:fillClrLst>
+    <dgm:linClrLst meth="repeat">
+      <a:schemeClr val="accent1">
+        <a:alpha val="90000"/>
+        <a:tint val="40000"/>
+      </a:schemeClr>
+    </dgm:linClrLst>
+    <dgm:effectClrLst/>
+    <dgm:txLinClrLst/>
+    <dgm:txFillClrLst meth="repeat">
+      <a:schemeClr val="dk1"/>
+    </dgm:txFillClrLst>
+    <dgm:txEffectClrLst/>
+  </dgm:styleLbl>
+  <dgm:styleLbl name="alignAccFollowNode1">
+    <dgm:fillClrLst meth="repeat">
+      <a:schemeClr val="accent1">
+        <a:alpha val="90000"/>
+        <a:tint val="40000"/>
+      </a:schemeClr>
+    </dgm:fillClrLst>
+    <dgm:linClrLst meth="repeat">
+      <a:schemeClr val="accent1">
+        <a:alpha val="90000"/>
+        <a:tint val="40000"/>
+      </a:schemeClr>
+    </dgm:linClrLst>
+    <dgm:effectClrLst/>
+    <dgm:txLinClrLst/>
+    <dgm:txFillClrLst meth="repeat">
+      <a:schemeClr val="dk1"/>
+    </dgm:txFillClrLst>
+    <dgm:txEffectClrLst/>
+  </dgm:styleLbl>
+  <dgm:styleLbl name="bgAccFollowNode1">
+    <dgm:fillClrLst meth="repeat">
+      <a:schemeClr val="accent1">
+        <a:alpha val="90000"/>
+        <a:tint val="40000"/>
+      </a:schemeClr>
+    </dgm:fillClrLst>
+    <dgm:linClrLst meth="repeat">
+      <a:schemeClr val="accent1">
+        <a:alpha val="90000"/>
+        <a:tint val="40000"/>
+      </a:schemeClr>
+    </dgm:linClrLst>
+    <dgm:effectClrLst/>
+    <dgm:txLinClrLst/>
+    <dgm:txFillClrLst meth="repeat">
+      <a:schemeClr val="dk1"/>
+    </dgm:txFillClrLst>
+    <dgm:txEffectClrLst/>
+  </dgm:styleLbl>
+  <dgm:styleLbl name="fgAcc0">
+    <dgm:fillClrLst meth="repeat">
+      <a:schemeClr val="lt1">
+        <a:alpha val="90000"/>
+      </a:schemeClr>
+    </dgm:fillClrLst>
+    <dgm:linClrLst meth="repeat">
+      <a:schemeClr val="accent1"/>
+    </dgm:linClrLst>
+    <dgm:effectClrLst/>
+    <dgm:txLinClrLst/>
+    <dgm:txFillClrLst meth="repeat">
+      <a:schemeClr val="dk1"/>
+    </dgm:txFillClrLst>
+    <dgm:txEffectClrLst/>
+  </dgm:styleLbl>
+  <dgm:styleLbl name="fgAcc2">
+    <dgm:fillClrLst meth="repeat">
+      <a:schemeClr val="lt1">
+        <a:alpha val="90000"/>
+      </a:schemeClr>
+    </dgm:fillClrLst>
+    <dgm:linClrLst meth="repeat">
+      <a:schemeClr val="accent1"/>
+    </dgm:linClrLst>
+    <dgm:effectClrLst/>
+    <dgm:txLinClrLst/>
+    <dgm:txFillClrLst meth="repeat">
+      <a:schemeClr val="dk1"/>
+    </dgm:txFillClrLst>
+    <dgm:txEffectClrLst/>
+  </dgm:styleLbl>
+  <dgm:styleLbl name="fgAcc3">
+    <dgm:fillClrLst meth="repeat">
+      <a:schemeClr val="lt1">
+        <a:alpha val="90000"/>
+      </a:schemeClr>
+    </dgm:fillClrLst>
+    <dgm:linClrLst meth="repeat">
+      <a:schemeClr val="accent1"/>
+    </dgm:linClrLst>
+    <dgm:effectClrLst/>
+    <dgm:txLinClrLst/>
+    <dgm:txFillClrLst meth="repeat">
+      <a:schemeClr val="dk1"/>
+    </dgm:txFillClrLst>
+    <dgm:txEffectClrLst/>
+  </dgm:styleLbl>
+  <dgm:styleLbl name="fgAcc4">
+    <dgm:fillClrLst meth="repeat">
+      <a:schemeClr val="lt1">
+        <a:alpha val="90000"/>
+      </a:schemeClr>
+    </dgm:fillClrLst>
+    <dgm:linClrLst meth="repeat">
+      <a:schemeClr val="accent1"/>
+    </dgm:linClrLst>
+    <dgm:effectClrLst/>
+    <dgm:txLinClrLst/>
+    <dgm:txFillClrLst meth="repeat">
+      <a:schemeClr val="dk1"/>
+    </dgm:txFillClrLst>
+    <dgm:txEffectClrLst/>
+  </dgm:styleLbl>
+  <dgm:styleLbl name="bgShp">
+    <dgm:fillClrLst meth="repeat">
+      <a:schemeClr val="accent1">
+        <a:tint val="40000"/>
+      </a:schemeClr>
+    </dgm:fillClrLst>
+    <dgm:linClrLst meth="repeat">
+      <a:schemeClr val="accent1"/>
+    </dgm:linClrLst>
+    <dgm:effectClrLst/>
+    <dgm:txLinClrLst/>
+    <dgm:txFillClrLst meth="repeat">
+      <a:schemeClr val="dk1"/>
+    </dgm:txFillClrLst>
+    <dgm:txEffectClrLst/>
+  </dgm:styleLbl>
+  <dgm:styleLbl name="dkBgShp">
+    <dgm:fillClrLst meth="repeat">
+      <a:schemeClr val="accent1">
+        <a:shade val="80000"/>
+      </a:schemeClr>
+    </dgm:fillClrLst>
+    <dgm:linClrLst meth="repeat">
+      <a:schemeClr val="accent1"/>
+    </dgm:linClrLst>
+    <dgm:effectClrLst/>
+    <dgm:txLinClrLst/>
+    <dgm:txFillClrLst meth="repeat">
+      <a:schemeClr val="lt1"/>
+    </dgm:txFillClrLst>
+    <dgm:txEffectClrLst/>
+  </dgm:styleLbl>
+  <dgm:styleLbl name="trBgShp">
+    <dgm:fillClrLst meth="repeat">
+      <a:schemeClr val="accent1">
+        <a:tint val="50000"/>
+        <a:alpha val="40000"/>
+      </a:schemeClr>
+    </dgm:fillClrLst>
+    <dgm:linClrLst meth="repeat">
+      <a:schemeClr val="accent1"/>
+    </dgm:linClrLst>
+    <dgm:effectClrLst/>
+    <dgm:txLinClrLst/>
+    <dgm:txFillClrLst meth="repeat">
+      <a:schemeClr val="lt1"/>
+    </dgm:txFillClrLst>
+    <dgm:txEffectClrLst/>
+  </dgm:styleLbl>
+  <dgm:styleLbl name="fgShp">
+    <dgm:fillClrLst meth="repeat">
+      <a:schemeClr val="accent1">
+        <a:tint val="60000"/>
+      </a:schemeClr>
+    </dgm:fillClrLst>
+    <dgm:linClrLst meth="repeat">
+      <a:schemeClr val="lt1"/>
+    </dgm:linClrLst>
+    <dgm:effectClrLst/>
+    <dgm:txLinClrLst/>
+    <dgm:txFillClrLst meth="repeat">
+      <a:schemeClr val="dk1"/>
+    </dgm:txFillClrLst>
+    <dgm:txEffectClrLst/>
+  </dgm:styleLbl>
+  <dgm:styleLbl name="revTx">
+    <dgm:fillClrLst meth="repeat">
+      <a:schemeClr val="lt1">
+        <a:alpha val="0"/>
+      </a:schemeClr>
+    </dgm:fillClrLst>
+    <dgm:linClrLst meth="repeat">
+      <a:schemeClr val="dk1">
+        <a:alpha val="0"/>
+      </a:schemeClr>
+    </dgm:linClrLst>
+    <dgm:effectClrLst/>
+    <dgm:txLinClrLst/>
+    <dgm:txFillClrLst meth="repeat">
+      <a:schemeClr val="tx1"/>
+    </dgm:txFillClrLst>
+    <dgm:txEffectClrLst/>
+  </dgm:styleLbl>
+</dgm:colorsDef>
+</file>
+
+<file path=ppt/diagrams/colors30.xml><?xml version="1.0" encoding="utf-8"?>
 <dgm:colorsDef xmlns:dgm="http://schemas.openxmlformats.org/drawingml/2006/diagram" xmlns:a="http://schemas.openxmlformats.org/drawingml/2006/main" uniqueId="urn:microsoft.com/office/officeart/2005/8/colors/accent1_2">
   <dgm:title val=""/>
   <dgm:desc val=""/>
@@ -13810,7 +14581,9 @@
         <a:prstGeom prst="rect">
           <a:avLst/>
         </a:prstGeom>
-        <a:noFill/>
+        <a:solidFill>
+          <a:schemeClr val="accent1"/>
+        </a:solidFill>
         <a:ln>
           <a:noFill/>
         </a:ln>
@@ -14701,6 +15474,287 @@
 </file>
 
 <file path=ppt/diagrams/layout3.xml><?xml version="1.0" encoding="utf-8"?>
+<dgm:layoutDef xmlns:dgm="http://schemas.openxmlformats.org/drawingml/2006/diagram" xmlns:a="http://schemas.openxmlformats.org/drawingml/2006/main" uniqueId="urn:microsoft.com/office/officeart/2005/8/layout/lProcess3">
+  <dgm:title val=""/>
+  <dgm:desc val=""/>
+  <dgm:catLst>
+    <dgm:cat type="process" pri="11000"/>
+    <dgm:cat type="convert" pri="12000"/>
+  </dgm:catLst>
+  <dgm:sampData>
+    <dgm:dataModel>
+      <dgm:ptLst>
+        <dgm:pt modelId="0" type="doc"/>
+        <dgm:pt modelId="1">
+          <dgm:prSet phldr="1"/>
+        </dgm:pt>
+        <dgm:pt modelId="11">
+          <dgm:prSet phldr="1"/>
+        </dgm:pt>
+        <dgm:pt modelId="12">
+          <dgm:prSet phldr="1"/>
+        </dgm:pt>
+        <dgm:pt modelId="2">
+          <dgm:prSet phldr="1"/>
+        </dgm:pt>
+        <dgm:pt modelId="21">
+          <dgm:prSet phldr="1"/>
+        </dgm:pt>
+        <dgm:pt modelId="22">
+          <dgm:prSet phldr="1"/>
+        </dgm:pt>
+        <dgm:pt modelId="3">
+          <dgm:prSet phldr="1"/>
+        </dgm:pt>
+        <dgm:pt modelId="31">
+          <dgm:prSet phldr="1"/>
+        </dgm:pt>
+        <dgm:pt modelId="32">
+          <dgm:prSet phldr="1"/>
+        </dgm:pt>
+      </dgm:ptLst>
+      <dgm:cxnLst>
+        <dgm:cxn modelId="4" srcId="0" destId="1" srcOrd="0" destOrd="0"/>
+        <dgm:cxn modelId="5" srcId="0" destId="2" srcOrd="1" destOrd="0"/>
+        <dgm:cxn modelId="6" srcId="0" destId="3" srcOrd="2" destOrd="0"/>
+        <dgm:cxn modelId="41" srcId="1" destId="11" srcOrd="0" destOrd="0"/>
+        <dgm:cxn modelId="42" srcId="1" destId="12" srcOrd="1" destOrd="0"/>
+        <dgm:cxn modelId="51" srcId="2" destId="21" srcOrd="0" destOrd="0"/>
+        <dgm:cxn modelId="52" srcId="2" destId="22" srcOrd="1" destOrd="0"/>
+        <dgm:cxn modelId="61" srcId="3" destId="31" srcOrd="0" destOrd="0"/>
+        <dgm:cxn modelId="62" srcId="3" destId="32" srcOrd="1" destOrd="0"/>
+      </dgm:cxnLst>
+      <dgm:bg/>
+      <dgm:whole/>
+    </dgm:dataModel>
+  </dgm:sampData>
+  <dgm:styleData>
+    <dgm:dataModel>
+      <dgm:ptLst>
+        <dgm:pt modelId="0" type="doc"/>
+        <dgm:pt modelId="1"/>
+        <dgm:pt modelId="2"/>
+      </dgm:ptLst>
+      <dgm:cxnLst>
+        <dgm:cxn modelId="4" srcId="0" destId="1" srcOrd="0" destOrd="0"/>
+        <dgm:cxn modelId="5" srcId="1" destId="2" srcOrd="0" destOrd="0"/>
+      </dgm:cxnLst>
+      <dgm:bg/>
+      <dgm:whole/>
+    </dgm:dataModel>
+  </dgm:styleData>
+  <dgm:clrData>
+    <dgm:dataModel>
+      <dgm:ptLst>
+        <dgm:pt modelId="0" type="doc"/>
+        <dgm:pt modelId="1"/>
+        <dgm:pt modelId="11"/>
+        <dgm:pt modelId="2"/>
+        <dgm:pt modelId="21"/>
+        <dgm:pt modelId="3"/>
+        <dgm:pt modelId="31"/>
+        <dgm:pt modelId="4"/>
+        <dgm:pt modelId="41"/>
+      </dgm:ptLst>
+      <dgm:cxnLst>
+        <dgm:cxn modelId="5" srcId="0" destId="1" srcOrd="0" destOrd="0"/>
+        <dgm:cxn modelId="6" srcId="0" destId="2" srcOrd="1" destOrd="0"/>
+        <dgm:cxn modelId="7" srcId="0" destId="3" srcOrd="2" destOrd="0"/>
+        <dgm:cxn modelId="8" srcId="0" destId="4" srcOrd="3" destOrd="0"/>
+        <dgm:cxn modelId="51" srcId="1" destId="11" srcOrd="0" destOrd="0"/>
+        <dgm:cxn modelId="61" srcId="2" destId="21" srcOrd="0" destOrd="0"/>
+        <dgm:cxn modelId="71" srcId="3" destId="31" srcOrd="0" destOrd="0"/>
+        <dgm:cxn modelId="81" srcId="4" destId="41" srcOrd="0" destOrd="0"/>
+      </dgm:cxnLst>
+      <dgm:bg/>
+      <dgm:whole/>
+    </dgm:dataModel>
+  </dgm:clrData>
+  <dgm:layoutNode name="Name0">
+    <dgm:varLst>
+      <dgm:chPref val="3"/>
+      <dgm:dir/>
+      <dgm:animLvl val="lvl"/>
+      <dgm:resizeHandles/>
+    </dgm:varLst>
+    <dgm:choose name="Name1">
+      <dgm:if name="Name2" func="var" arg="dir" op="equ" val="norm">
+        <dgm:alg type="lin">
+          <dgm:param type="linDir" val="fromT"/>
+          <dgm:param type="vertAlign" val="mid"/>
+          <dgm:param type="nodeHorzAlign" val="l"/>
+          <dgm:param type="nodeVertAlign" val="t"/>
+          <dgm:param type="fallback" val="2D"/>
+        </dgm:alg>
+      </dgm:if>
+      <dgm:else name="Name3">
+        <dgm:alg type="lin">
+          <dgm:param type="linDir" val="fromT"/>
+          <dgm:param type="vertAlign" val="mid"/>
+          <dgm:param type="nodeHorzAlign" val="r"/>
+          <dgm:param type="nodeVertAlign" val="t"/>
+          <dgm:param type="fallback" val="2D"/>
+        </dgm:alg>
+      </dgm:else>
+    </dgm:choose>
+    <dgm:shape xmlns:r="http://schemas.openxmlformats.org/officeDocument/2006/relationships" r:blip="">
+      <dgm:adjLst/>
+    </dgm:shape>
+    <dgm:presOf/>
+    <dgm:constrLst>
+      <dgm:constr type="w" for="des" forName="bigChev" refType="w"/>
+      <dgm:constr type="h" for="des" forName="bigChev" refType="w" refFor="des" refForName="bigChev" op="equ" fact="0.4"/>
+      <dgm:constr type="w" for="des" forName="node" refType="w" refFor="des" refForName="bigChev" fact="0.83"/>
+      <dgm:constr type="h" for="des" forName="node" refType="w" refFor="des" refForName="node" op="equ" fact="0.4"/>
+      <dgm:constr type="w" for="des" forName="parTrans" refType="w" refFor="des" refForName="bigChev" op="equ" fact="-0.13"/>
+      <dgm:constr type="w" for="des" forName="sibTrans" refType="w" refFor="des" refForName="node" op="equ" fact="-0.14"/>
+      <dgm:constr type="h" for="ch" forName="vSp" refType="h" refFor="des" refForName="bigChev" op="equ" fact="0.14"/>
+      <dgm:constr type="primFontSz" for="des" forName="node" op="equ"/>
+      <dgm:constr type="primFontSz" for="des" forName="bigChev" op="equ"/>
+    </dgm:constrLst>
+    <dgm:ruleLst/>
+    <dgm:forEach name="Name4" axis="ch" ptType="node">
+      <dgm:layoutNode name="horFlow">
+        <dgm:choose name="Name5">
+          <dgm:if name="Name6" func="var" arg="dir" op="equ" val="norm">
+            <dgm:alg type="lin">
+              <dgm:param type="linDir" val="fromL"/>
+              <dgm:param type="nodeHorzAlign" val="l"/>
+              <dgm:param type="nodeVertAlign" val="mid"/>
+              <dgm:param type="fallback" val="2D"/>
+            </dgm:alg>
+          </dgm:if>
+          <dgm:else name="Name7">
+            <dgm:alg type="lin">
+              <dgm:param type="linDir" val="fromR"/>
+              <dgm:param type="nodeHorzAlign" val="r"/>
+              <dgm:param type="nodeVertAlign" val="mid"/>
+              <dgm:param type="fallback" val="2D"/>
+            </dgm:alg>
+          </dgm:else>
+        </dgm:choose>
+        <dgm:shape xmlns:r="http://schemas.openxmlformats.org/officeDocument/2006/relationships" r:blip="">
+          <dgm:adjLst/>
+        </dgm:shape>
+        <dgm:presOf/>
+        <dgm:constrLst/>
+        <dgm:ruleLst/>
+        <dgm:layoutNode name="bigChev" styleLbl="node1">
+          <dgm:alg type="tx"/>
+          <dgm:choose name="Name8">
+            <dgm:if name="Name9" func="var" arg="dir" op="equ" val="norm">
+              <dgm:shape xmlns:r="http://schemas.openxmlformats.org/officeDocument/2006/relationships" type="chevron" r:blip="">
+                <dgm:adjLst/>
+              </dgm:shape>
+              <dgm:presOf axis="self"/>
+              <dgm:constrLst>
+                <dgm:constr type="primFontSz" val="65"/>
+                <dgm:constr type="rMarg"/>
+                <dgm:constr type="lMarg" refType="primFontSz" fact="0.1"/>
+                <dgm:constr type="tMarg" refType="primFontSz" fact="0.05"/>
+                <dgm:constr type="bMarg" refType="primFontSz" fact="0.05"/>
+              </dgm:constrLst>
+            </dgm:if>
+            <dgm:else name="Name10">
+              <dgm:shape xmlns:r="http://schemas.openxmlformats.org/officeDocument/2006/relationships" rot="180" type="chevron" r:blip="">
+                <dgm:adjLst/>
+              </dgm:shape>
+              <dgm:presOf axis="self"/>
+              <dgm:constrLst>
+                <dgm:constr type="primFontSz" val="65"/>
+                <dgm:constr type="lMarg"/>
+                <dgm:constr type="rMarg" refType="primFontSz" fact="0.1"/>
+                <dgm:constr type="tMarg" refType="primFontSz" fact="0.05"/>
+                <dgm:constr type="bMarg" refType="primFontSz" fact="0.05"/>
+              </dgm:constrLst>
+            </dgm:else>
+          </dgm:choose>
+          <dgm:ruleLst>
+            <dgm:rule type="primFontSz" val="5" fact="NaN" max="NaN"/>
+          </dgm:ruleLst>
+        </dgm:layoutNode>
+        <dgm:forEach name="parTransForEach" axis="ch" ptType="parTrans" cnt="1">
+          <dgm:layoutNode name="parTrans">
+            <dgm:alg type="sp"/>
+            <dgm:shape xmlns:r="http://schemas.openxmlformats.org/officeDocument/2006/relationships" r:blip="">
+              <dgm:adjLst/>
+            </dgm:shape>
+            <dgm:presOf/>
+            <dgm:constrLst/>
+            <dgm:ruleLst/>
+          </dgm:layoutNode>
+        </dgm:forEach>
+        <dgm:forEach name="Name11" axis="ch" ptType="node">
+          <dgm:layoutNode name="node" styleLbl="alignAccFollowNode1">
+            <dgm:varLst>
+              <dgm:bulletEnabled val="1"/>
+            </dgm:varLst>
+            <dgm:alg type="tx"/>
+            <dgm:choose name="Name12">
+              <dgm:if name="Name13" func="var" arg="dir" op="equ" val="norm">
+                <dgm:shape xmlns:r="http://schemas.openxmlformats.org/officeDocument/2006/relationships" type="chevron" r:blip="">
+                  <dgm:adjLst/>
+                </dgm:shape>
+                <dgm:presOf axis="desOrSelf" ptType="node"/>
+                <dgm:constrLst>
+                  <dgm:constr type="primFontSz" val="65"/>
+                  <dgm:constr type="rMarg"/>
+                  <dgm:constr type="lMarg" refType="primFontSz" fact="0.1"/>
+                  <dgm:constr type="tMarg" refType="primFontSz" fact="0.05"/>
+                  <dgm:constr type="bMarg" refType="primFontSz" fact="0.05"/>
+                </dgm:constrLst>
+              </dgm:if>
+              <dgm:else name="Name14">
+                <dgm:shape xmlns:r="http://schemas.openxmlformats.org/officeDocument/2006/relationships" rot="180" type="chevron" r:blip="">
+                  <dgm:adjLst/>
+                </dgm:shape>
+                <dgm:presOf axis="desOrSelf" ptType="node"/>
+                <dgm:constrLst>
+                  <dgm:constr type="primFontSz" val="65"/>
+                  <dgm:constr type="lMarg"/>
+                  <dgm:constr type="rMarg" refType="primFontSz" fact="0.1"/>
+                  <dgm:constr type="tMarg" refType="primFontSz" fact="0.05"/>
+                  <dgm:constr type="bMarg" refType="primFontSz" fact="0.05"/>
+                </dgm:constrLst>
+              </dgm:else>
+            </dgm:choose>
+            <dgm:ruleLst>
+              <dgm:rule type="primFontSz" val="5" fact="NaN" max="NaN"/>
+            </dgm:ruleLst>
+          </dgm:layoutNode>
+          <dgm:forEach name="sibTransForEach" axis="followSib" ptType="sibTrans" cnt="1">
+            <dgm:layoutNode name="sibTrans">
+              <dgm:alg type="sp"/>
+              <dgm:shape xmlns:r="http://schemas.openxmlformats.org/officeDocument/2006/relationships" r:blip="">
+                <dgm:adjLst/>
+              </dgm:shape>
+              <dgm:presOf/>
+              <dgm:constrLst/>
+              <dgm:ruleLst/>
+            </dgm:layoutNode>
+          </dgm:forEach>
+        </dgm:forEach>
+      </dgm:layoutNode>
+      <dgm:choose name="Name15">
+        <dgm:if name="Name16" axis="self" ptType="node" func="revPos" op="gte" val="2">
+          <dgm:layoutNode name="vSp">
+            <dgm:alg type="sp"/>
+            <dgm:shape xmlns:r="http://schemas.openxmlformats.org/officeDocument/2006/relationships" r:blip="">
+              <dgm:adjLst/>
+            </dgm:shape>
+            <dgm:presOf/>
+            <dgm:constrLst/>
+            <dgm:ruleLst/>
+          </dgm:layoutNode>
+        </dgm:if>
+        <dgm:else name="Name17"/>
+      </dgm:choose>
+    </dgm:forEach>
+  </dgm:layoutNode>
+</dgm:layoutDef>
+</file>
+
+<file path=ppt/diagrams/layout30.xml><?xml version="1.0" encoding="utf-8"?>
 <dgm:layoutDef xmlns:dgm="http://schemas.openxmlformats.org/drawingml/2006/diagram" xmlns:a="http://schemas.openxmlformats.org/drawingml/2006/main" uniqueId="urn:microsoft.com/office/officeart/2005/8/layout/lProcess3">
   <dgm:title val=""/>
   <dgm:desc val=""/>
@@ -20493,6 +21547,1040 @@
 </dgm:styleDef>
 </file>
 
+<file path=ppt/diagrams/quickStyle30.xml><?xml version="1.0" encoding="utf-8"?>
+<dgm:styleDef xmlns:dgm="http://schemas.openxmlformats.org/drawingml/2006/diagram" xmlns:a="http://schemas.openxmlformats.org/drawingml/2006/main" uniqueId="urn:microsoft.com/office/officeart/2005/8/quickstyle/simple1">
+  <dgm:title val=""/>
+  <dgm:desc val=""/>
+  <dgm:catLst>
+    <dgm:cat type="simple" pri="10100"/>
+  </dgm:catLst>
+  <dgm:scene3d>
+    <a:camera prst="orthographicFront"/>
+    <a:lightRig rig="threePt" dir="t"/>
+  </dgm:scene3d>
+  <dgm:styleLbl name="node0">
+    <dgm:scene3d>
+      <a:camera prst="orthographicFront"/>
+      <a:lightRig rig="threePt" dir="t"/>
+    </dgm:scene3d>
+    <dgm:sp3d/>
+    <dgm:txPr/>
+    <dgm:style>
+      <a:lnRef idx="2">
+        <a:scrgbClr r="0" g="0" b="0"/>
+      </a:lnRef>
+      <a:fillRef idx="1">
+        <a:scrgbClr r="0" g="0" b="0"/>
+      </a:fillRef>
+      <a:effectRef idx="0">
+        <a:scrgbClr r="0" g="0" b="0"/>
+      </a:effectRef>
+      <a:fontRef idx="minor">
+        <a:schemeClr val="lt1"/>
+      </a:fontRef>
+    </dgm:style>
+  </dgm:styleLbl>
+  <dgm:styleLbl name="lnNode1">
+    <dgm:scene3d>
+      <a:camera prst="orthographicFront"/>
+      <a:lightRig rig="threePt" dir="t"/>
+    </dgm:scene3d>
+    <dgm:sp3d/>
+    <dgm:txPr/>
+    <dgm:style>
+      <a:lnRef idx="2">
+        <a:scrgbClr r="0" g="0" b="0"/>
+      </a:lnRef>
+      <a:fillRef idx="1">
+        <a:scrgbClr r="0" g="0" b="0"/>
+      </a:fillRef>
+      <a:effectRef idx="0">
+        <a:scrgbClr r="0" g="0" b="0"/>
+      </a:effectRef>
+      <a:fontRef idx="minor">
+        <a:schemeClr val="lt1"/>
+      </a:fontRef>
+    </dgm:style>
+  </dgm:styleLbl>
+  <dgm:styleLbl name="vennNode1">
+    <dgm:scene3d>
+      <a:camera prst="orthographicFront"/>
+      <a:lightRig rig="threePt" dir="t"/>
+    </dgm:scene3d>
+    <dgm:sp3d/>
+    <dgm:txPr/>
+    <dgm:style>
+      <a:lnRef idx="2">
+        <a:scrgbClr r="0" g="0" b="0"/>
+      </a:lnRef>
+      <a:fillRef idx="1">
+        <a:scrgbClr r="0" g="0" b="0"/>
+      </a:fillRef>
+      <a:effectRef idx="0">
+        <a:scrgbClr r="0" g="0" b="0"/>
+      </a:effectRef>
+      <a:fontRef idx="minor">
+        <a:schemeClr val="tx1"/>
+      </a:fontRef>
+    </dgm:style>
+  </dgm:styleLbl>
+  <dgm:styleLbl name="alignNode1">
+    <dgm:scene3d>
+      <a:camera prst="orthographicFront"/>
+      <a:lightRig rig="threePt" dir="t"/>
+    </dgm:scene3d>
+    <dgm:sp3d/>
+    <dgm:txPr/>
+    <dgm:style>
+      <a:lnRef idx="2">
+        <a:scrgbClr r="0" g="0" b="0"/>
+      </a:lnRef>
+      <a:fillRef idx="1">
+        <a:scrgbClr r="0" g="0" b="0"/>
+      </a:fillRef>
+      <a:effectRef idx="0">
+        <a:scrgbClr r="0" g="0" b="0"/>
+      </a:effectRef>
+      <a:fontRef idx="minor">
+        <a:schemeClr val="lt1"/>
+      </a:fontRef>
+    </dgm:style>
+  </dgm:styleLbl>
+  <dgm:styleLbl name="node1">
+    <dgm:scene3d>
+      <a:camera prst="orthographicFront"/>
+      <a:lightRig rig="threePt" dir="t"/>
+    </dgm:scene3d>
+    <dgm:sp3d/>
+    <dgm:txPr/>
+    <dgm:style>
+      <a:lnRef idx="2">
+        <a:scrgbClr r="0" g="0" b="0"/>
+      </a:lnRef>
+      <a:fillRef idx="1">
+        <a:scrgbClr r="0" g="0" b="0"/>
+      </a:fillRef>
+      <a:effectRef idx="0">
+        <a:scrgbClr r="0" g="0" b="0"/>
+      </a:effectRef>
+      <a:fontRef idx="minor">
+        <a:schemeClr val="lt1"/>
+      </a:fontRef>
+    </dgm:style>
+  </dgm:styleLbl>
+  <dgm:styleLbl name="node2">
+    <dgm:scene3d>
+      <a:camera prst="orthographicFront"/>
+      <a:lightRig rig="threePt" dir="t"/>
+    </dgm:scene3d>
+    <dgm:sp3d/>
+    <dgm:txPr/>
+    <dgm:style>
+      <a:lnRef idx="2">
+        <a:scrgbClr r="0" g="0" b="0"/>
+      </a:lnRef>
+      <a:fillRef idx="1">
+        <a:scrgbClr r="0" g="0" b="0"/>
+      </a:fillRef>
+      <a:effectRef idx="0">
+        <a:scrgbClr r="0" g="0" b="0"/>
+      </a:effectRef>
+      <a:fontRef idx="minor">
+        <a:schemeClr val="lt1"/>
+      </a:fontRef>
+    </dgm:style>
+  </dgm:styleLbl>
+  <dgm:styleLbl name="node3">
+    <dgm:scene3d>
+      <a:camera prst="orthographicFront"/>
+      <a:lightRig rig="threePt" dir="t"/>
+    </dgm:scene3d>
+    <dgm:sp3d/>
+    <dgm:txPr/>
+    <dgm:style>
+      <a:lnRef idx="2">
+        <a:scrgbClr r="0" g="0" b="0"/>
+      </a:lnRef>
+      <a:fillRef idx="1">
+        <a:scrgbClr r="0" g="0" b="0"/>
+      </a:fillRef>
+      <a:effectRef idx="0">
+        <a:scrgbClr r="0" g="0" b="0"/>
+      </a:effectRef>
+      <a:fontRef idx="minor">
+        <a:schemeClr val="lt1"/>
+      </a:fontRef>
+    </dgm:style>
+  </dgm:styleLbl>
+  <dgm:styleLbl name="node4">
+    <dgm:scene3d>
+      <a:camera prst="orthographicFront"/>
+      <a:lightRig rig="threePt" dir="t"/>
+    </dgm:scene3d>
+    <dgm:sp3d/>
+    <dgm:txPr/>
+    <dgm:style>
+      <a:lnRef idx="2">
+        <a:scrgbClr r="0" g="0" b="0"/>
+      </a:lnRef>
+      <a:fillRef idx="1">
+        <a:scrgbClr r="0" g="0" b="0"/>
+      </a:fillRef>
+      <a:effectRef idx="0">
+        <a:scrgbClr r="0" g="0" b="0"/>
+      </a:effectRef>
+      <a:fontRef idx="minor">
+        <a:schemeClr val="lt1"/>
+      </a:fontRef>
+    </dgm:style>
+  </dgm:styleLbl>
+  <dgm:styleLbl name="fgImgPlace1">
+    <dgm:scene3d>
+      <a:camera prst="orthographicFront"/>
+      <a:lightRig rig="threePt" dir="t"/>
+    </dgm:scene3d>
+    <dgm:sp3d/>
+    <dgm:txPr/>
+    <dgm:style>
+      <a:lnRef idx="2">
+        <a:scrgbClr r="0" g="0" b="0"/>
+      </a:lnRef>
+      <a:fillRef idx="1">
+        <a:scrgbClr r="0" g="0" b="0"/>
+      </a:fillRef>
+      <a:effectRef idx="0">
+        <a:scrgbClr r="0" g="0" b="0"/>
+      </a:effectRef>
+      <a:fontRef idx="minor"/>
+    </dgm:style>
+  </dgm:styleLbl>
+  <dgm:styleLbl name="alignImgPlace1">
+    <dgm:scene3d>
+      <a:camera prst="orthographicFront"/>
+      <a:lightRig rig="threePt" dir="t"/>
+    </dgm:scene3d>
+    <dgm:sp3d/>
+    <dgm:txPr/>
+    <dgm:style>
+      <a:lnRef idx="2">
+        <a:scrgbClr r="0" g="0" b="0"/>
+      </a:lnRef>
+      <a:fillRef idx="1">
+        <a:scrgbClr r="0" g="0" b="0"/>
+      </a:fillRef>
+      <a:effectRef idx="0">
+        <a:scrgbClr r="0" g="0" b="0"/>
+      </a:effectRef>
+      <a:fontRef idx="minor"/>
+    </dgm:style>
+  </dgm:styleLbl>
+  <dgm:styleLbl name="bgImgPlace1">
+    <dgm:scene3d>
+      <a:camera prst="orthographicFront"/>
+      <a:lightRig rig="threePt" dir="t"/>
+    </dgm:scene3d>
+    <dgm:sp3d/>
+    <dgm:txPr/>
+    <dgm:style>
+      <a:lnRef idx="2">
+        <a:scrgbClr r="0" g="0" b="0"/>
+      </a:lnRef>
+      <a:fillRef idx="1">
+        <a:scrgbClr r="0" g="0" b="0"/>
+      </a:fillRef>
+      <a:effectRef idx="0">
+        <a:scrgbClr r="0" g="0" b="0"/>
+      </a:effectRef>
+      <a:fontRef idx="minor"/>
+    </dgm:style>
+  </dgm:styleLbl>
+  <dgm:styleLbl name="sibTrans2D1">
+    <dgm:scene3d>
+      <a:camera prst="orthographicFront"/>
+      <a:lightRig rig="threePt" dir="t"/>
+    </dgm:scene3d>
+    <dgm:sp3d/>
+    <dgm:txPr/>
+    <dgm:style>
+      <a:lnRef idx="0">
+        <a:scrgbClr r="0" g="0" b="0"/>
+      </a:lnRef>
+      <a:fillRef idx="1">
+        <a:scrgbClr r="0" g="0" b="0"/>
+      </a:fillRef>
+      <a:effectRef idx="0">
+        <a:scrgbClr r="0" g="0" b="0"/>
+      </a:effectRef>
+      <a:fontRef idx="minor">
+        <a:schemeClr val="lt1"/>
+      </a:fontRef>
+    </dgm:style>
+  </dgm:styleLbl>
+  <dgm:styleLbl name="fgSibTrans2D1">
+    <dgm:scene3d>
+      <a:camera prst="orthographicFront"/>
+      <a:lightRig rig="threePt" dir="t"/>
+    </dgm:scene3d>
+    <dgm:sp3d/>
+    <dgm:txPr/>
+    <dgm:style>
+      <a:lnRef idx="0">
+        <a:scrgbClr r="0" g="0" b="0"/>
+      </a:lnRef>
+      <a:fillRef idx="1">
+        <a:scrgbClr r="0" g="0" b="0"/>
+      </a:fillRef>
+      <a:effectRef idx="0">
+        <a:scrgbClr r="0" g="0" b="0"/>
+      </a:effectRef>
+      <a:fontRef idx="minor">
+        <a:schemeClr val="lt1"/>
+      </a:fontRef>
+    </dgm:style>
+  </dgm:styleLbl>
+  <dgm:styleLbl name="bgSibTrans2D1">
+    <dgm:scene3d>
+      <a:camera prst="orthographicFront"/>
+      <a:lightRig rig="threePt" dir="t"/>
+    </dgm:scene3d>
+    <dgm:sp3d/>
+    <dgm:txPr/>
+    <dgm:style>
+      <a:lnRef idx="0">
+        <a:scrgbClr r="0" g="0" b="0"/>
+      </a:lnRef>
+      <a:fillRef idx="1">
+        <a:scrgbClr r="0" g="0" b="0"/>
+      </a:fillRef>
+      <a:effectRef idx="0">
+        <a:scrgbClr r="0" g="0" b="0"/>
+      </a:effectRef>
+      <a:fontRef idx="minor">
+        <a:schemeClr val="lt1"/>
+      </a:fontRef>
+    </dgm:style>
+  </dgm:styleLbl>
+  <dgm:styleLbl name="sibTrans1D1">
+    <dgm:scene3d>
+      <a:camera prst="orthographicFront"/>
+      <a:lightRig rig="threePt" dir="t"/>
+    </dgm:scene3d>
+    <dgm:sp3d/>
+    <dgm:txPr/>
+    <dgm:style>
+      <a:lnRef idx="1">
+        <a:scrgbClr r="0" g="0" b="0"/>
+      </a:lnRef>
+      <a:fillRef idx="0">
+        <a:scrgbClr r="0" g="0" b="0"/>
+      </a:fillRef>
+      <a:effectRef idx="0">
+        <a:scrgbClr r="0" g="0" b="0"/>
+      </a:effectRef>
+      <a:fontRef idx="minor"/>
+    </dgm:style>
+  </dgm:styleLbl>
+  <dgm:styleLbl name="callout">
+    <dgm:scene3d>
+      <a:camera prst="orthographicFront"/>
+      <a:lightRig rig="threePt" dir="t"/>
+    </dgm:scene3d>
+    <dgm:sp3d/>
+    <dgm:txPr/>
+    <dgm:style>
+      <a:lnRef idx="2">
+        <a:scrgbClr r="0" g="0" b="0"/>
+      </a:lnRef>
+      <a:fillRef idx="1">
+        <a:scrgbClr r="0" g="0" b="0"/>
+      </a:fillRef>
+      <a:effectRef idx="0">
+        <a:scrgbClr r="0" g="0" b="0"/>
+      </a:effectRef>
+      <a:fontRef idx="minor"/>
+    </dgm:style>
+  </dgm:styleLbl>
+  <dgm:styleLbl name="asst0">
+    <dgm:scene3d>
+      <a:camera prst="orthographicFront"/>
+      <a:lightRig rig="threePt" dir="t"/>
+    </dgm:scene3d>
+    <dgm:sp3d/>
+    <dgm:txPr/>
+    <dgm:style>
+      <a:lnRef idx="2">
+        <a:scrgbClr r="0" g="0" b="0"/>
+      </a:lnRef>
+      <a:fillRef idx="1">
+        <a:scrgbClr r="0" g="0" b="0"/>
+      </a:fillRef>
+      <a:effectRef idx="0">
+        <a:scrgbClr r="0" g="0" b="0"/>
+      </a:effectRef>
+      <a:fontRef idx="minor">
+        <a:schemeClr val="lt1"/>
+      </a:fontRef>
+    </dgm:style>
+  </dgm:styleLbl>
+  <dgm:styleLbl name="asst1">
+    <dgm:scene3d>
+      <a:camera prst="orthographicFront"/>
+      <a:lightRig rig="threePt" dir="t"/>
+    </dgm:scene3d>
+    <dgm:sp3d/>
+    <dgm:txPr/>
+    <dgm:style>
+      <a:lnRef idx="2">
+        <a:scrgbClr r="0" g="0" b="0"/>
+      </a:lnRef>
+      <a:fillRef idx="1">
+        <a:scrgbClr r="0" g="0" b="0"/>
+      </a:fillRef>
+      <a:effectRef idx="0">
+        <a:scrgbClr r="0" g="0" b="0"/>
+      </a:effectRef>
+      <a:fontRef idx="minor">
+        <a:schemeClr val="lt1"/>
+      </a:fontRef>
+    </dgm:style>
+  </dgm:styleLbl>
+  <dgm:styleLbl name="asst2">
+    <dgm:scene3d>
+      <a:camera prst="orthographicFront"/>
+      <a:lightRig rig="threePt" dir="t"/>
+    </dgm:scene3d>
+    <dgm:sp3d/>
+    <dgm:txPr/>
+    <dgm:style>
+      <a:lnRef idx="2">
+        <a:scrgbClr r="0" g="0" b="0"/>
+      </a:lnRef>
+      <a:fillRef idx="1">
+        <a:scrgbClr r="0" g="0" b="0"/>
+      </a:fillRef>
+      <a:effectRef idx="0">
+        <a:scrgbClr r="0" g="0" b="0"/>
+      </a:effectRef>
+      <a:fontRef idx="minor">
+        <a:schemeClr val="lt1"/>
+      </a:fontRef>
+    </dgm:style>
+  </dgm:styleLbl>
+  <dgm:styleLbl name="asst3">
+    <dgm:scene3d>
+      <a:camera prst="orthographicFront"/>
+      <a:lightRig rig="threePt" dir="t"/>
+    </dgm:scene3d>
+    <dgm:sp3d/>
+    <dgm:txPr/>
+    <dgm:style>
+      <a:lnRef idx="2">
+        <a:scrgbClr r="0" g="0" b="0"/>
+      </a:lnRef>
+      <a:fillRef idx="1">
+        <a:scrgbClr r="0" g="0" b="0"/>
+      </a:fillRef>
+      <a:effectRef idx="0">
+        <a:scrgbClr r="0" g="0" b="0"/>
+      </a:effectRef>
+      <a:fontRef idx="minor">
+        <a:schemeClr val="lt1"/>
+      </a:fontRef>
+    </dgm:style>
+  </dgm:styleLbl>
+  <dgm:styleLbl name="asst4">
+    <dgm:scene3d>
+      <a:camera prst="orthographicFront"/>
+      <a:lightRig rig="threePt" dir="t"/>
+    </dgm:scene3d>
+    <dgm:sp3d/>
+    <dgm:txPr/>
+    <dgm:style>
+      <a:lnRef idx="2">
+        <a:scrgbClr r="0" g="0" b="0"/>
+      </a:lnRef>
+      <a:fillRef idx="1">
+        <a:scrgbClr r="0" g="0" b="0"/>
+      </a:fillRef>
+      <a:effectRef idx="0">
+        <a:scrgbClr r="0" g="0" b="0"/>
+      </a:effectRef>
+      <a:fontRef idx="minor">
+        <a:schemeClr val="lt1"/>
+      </a:fontRef>
+    </dgm:style>
+  </dgm:styleLbl>
+  <dgm:styleLbl name="parChTrans2D1">
+    <dgm:scene3d>
+      <a:camera prst="orthographicFront"/>
+      <a:lightRig rig="threePt" dir="t"/>
+    </dgm:scene3d>
+    <dgm:sp3d/>
+    <dgm:txPr/>
+    <dgm:style>
+      <a:lnRef idx="2">
+        <a:scrgbClr r="0" g="0" b="0"/>
+      </a:lnRef>
+      <a:fillRef idx="1">
+        <a:scrgbClr r="0" g="0" b="0"/>
+      </a:fillRef>
+      <a:effectRef idx="0">
+        <a:scrgbClr r="0" g="0" b="0"/>
+      </a:effectRef>
+      <a:fontRef idx="minor">
+        <a:schemeClr val="lt1"/>
+      </a:fontRef>
+    </dgm:style>
+  </dgm:styleLbl>
+  <dgm:styleLbl name="parChTrans2D2">
+    <dgm:scene3d>
+      <a:camera prst="orthographicFront"/>
+      <a:lightRig rig="threePt" dir="t"/>
+    </dgm:scene3d>
+    <dgm:sp3d/>
+    <dgm:txPr/>
+    <dgm:style>
+      <a:lnRef idx="2">
+        <a:scrgbClr r="0" g="0" b="0"/>
+      </a:lnRef>
+      <a:fillRef idx="1">
+        <a:scrgbClr r="0" g="0" b="0"/>
+      </a:fillRef>
+      <a:effectRef idx="0">
+        <a:scrgbClr r="0" g="0" b="0"/>
+      </a:effectRef>
+      <a:fontRef idx="minor">
+        <a:schemeClr val="lt1"/>
+      </a:fontRef>
+    </dgm:style>
+  </dgm:styleLbl>
+  <dgm:styleLbl name="parChTrans2D3">
+    <dgm:scene3d>
+      <a:camera prst="orthographicFront"/>
+      <a:lightRig rig="threePt" dir="t"/>
+    </dgm:scene3d>
+    <dgm:sp3d/>
+    <dgm:txPr/>
+    <dgm:style>
+      <a:lnRef idx="2">
+        <a:scrgbClr r="0" g="0" b="0"/>
+      </a:lnRef>
+      <a:fillRef idx="1">
+        <a:scrgbClr r="0" g="0" b="0"/>
+      </a:fillRef>
+      <a:effectRef idx="0">
+        <a:scrgbClr r="0" g="0" b="0"/>
+      </a:effectRef>
+      <a:fontRef idx="minor">
+        <a:schemeClr val="lt1"/>
+      </a:fontRef>
+    </dgm:style>
+  </dgm:styleLbl>
+  <dgm:styleLbl name="parChTrans2D4">
+    <dgm:scene3d>
+      <a:camera prst="orthographicFront"/>
+      <a:lightRig rig="threePt" dir="t"/>
+    </dgm:scene3d>
+    <dgm:sp3d/>
+    <dgm:txPr/>
+    <dgm:style>
+      <a:lnRef idx="2">
+        <a:scrgbClr r="0" g="0" b="0"/>
+      </a:lnRef>
+      <a:fillRef idx="1">
+        <a:scrgbClr r="0" g="0" b="0"/>
+      </a:fillRef>
+      <a:effectRef idx="0">
+        <a:scrgbClr r="0" g="0" b="0"/>
+      </a:effectRef>
+      <a:fontRef idx="minor">
+        <a:schemeClr val="lt1"/>
+      </a:fontRef>
+    </dgm:style>
+  </dgm:styleLbl>
+  <dgm:styleLbl name="parChTrans1D1">
+    <dgm:scene3d>
+      <a:camera prst="orthographicFront"/>
+      <a:lightRig rig="threePt" dir="t"/>
+    </dgm:scene3d>
+    <dgm:sp3d/>
+    <dgm:txPr/>
+    <dgm:style>
+      <a:lnRef idx="2">
+        <a:scrgbClr r="0" g="0" b="0"/>
+      </a:lnRef>
+      <a:fillRef idx="0">
+        <a:scrgbClr r="0" g="0" b="0"/>
+      </a:fillRef>
+      <a:effectRef idx="0">
+        <a:scrgbClr r="0" g="0" b="0"/>
+      </a:effectRef>
+      <a:fontRef idx="minor"/>
+    </dgm:style>
+  </dgm:styleLbl>
+  <dgm:styleLbl name="parChTrans1D2">
+    <dgm:scene3d>
+      <a:camera prst="orthographicFront"/>
+      <a:lightRig rig="threePt" dir="t"/>
+    </dgm:scene3d>
+    <dgm:sp3d/>
+    <dgm:txPr/>
+    <dgm:style>
+      <a:lnRef idx="2">
+        <a:scrgbClr r="0" g="0" b="0"/>
+      </a:lnRef>
+      <a:fillRef idx="0">
+        <a:scrgbClr r="0" g="0" b="0"/>
+      </a:fillRef>
+      <a:effectRef idx="0">
+        <a:scrgbClr r="0" g="0" b="0"/>
+      </a:effectRef>
+      <a:fontRef idx="minor"/>
+    </dgm:style>
+  </dgm:styleLbl>
+  <dgm:styleLbl name="parChTrans1D3">
+    <dgm:scene3d>
+      <a:camera prst="orthographicFront"/>
+      <a:lightRig rig="threePt" dir="t"/>
+    </dgm:scene3d>
+    <dgm:sp3d/>
+    <dgm:txPr/>
+    <dgm:style>
+      <a:lnRef idx="2">
+        <a:scrgbClr r="0" g="0" b="0"/>
+      </a:lnRef>
+      <a:fillRef idx="0">
+        <a:scrgbClr r="0" g="0" b="0"/>
+      </a:fillRef>
+      <a:effectRef idx="0">
+        <a:scrgbClr r="0" g="0" b="0"/>
+      </a:effectRef>
+      <a:fontRef idx="minor"/>
+    </dgm:style>
+  </dgm:styleLbl>
+  <dgm:styleLbl name="parChTrans1D4">
+    <dgm:scene3d>
+      <a:camera prst="orthographicFront"/>
+      <a:lightRig rig="threePt" dir="t"/>
+    </dgm:scene3d>
+    <dgm:sp3d/>
+    <dgm:txPr/>
+    <dgm:style>
+      <a:lnRef idx="2">
+        <a:scrgbClr r="0" g="0" b="0"/>
+      </a:lnRef>
+      <a:fillRef idx="0">
+        <a:scrgbClr r="0" g="0" b="0"/>
+      </a:fillRef>
+      <a:effectRef idx="0">
+        <a:scrgbClr r="0" g="0" b="0"/>
+      </a:effectRef>
+      <a:fontRef idx="minor"/>
+    </dgm:style>
+  </dgm:styleLbl>
+  <dgm:styleLbl name="fgAcc1">
+    <dgm:scene3d>
+      <a:camera prst="orthographicFront"/>
+      <a:lightRig rig="threePt" dir="t"/>
+    </dgm:scene3d>
+    <dgm:sp3d/>
+    <dgm:txPr/>
+    <dgm:style>
+      <a:lnRef idx="2">
+        <a:scrgbClr r="0" g="0" b="0"/>
+      </a:lnRef>
+      <a:fillRef idx="1">
+        <a:scrgbClr r="0" g="0" b="0"/>
+      </a:fillRef>
+      <a:effectRef idx="0">
+        <a:scrgbClr r="0" g="0" b="0"/>
+      </a:effectRef>
+      <a:fontRef idx="minor"/>
+    </dgm:style>
+  </dgm:styleLbl>
+  <dgm:styleLbl name="conFgAcc1">
+    <dgm:scene3d>
+      <a:camera prst="orthographicFront"/>
+      <a:lightRig rig="threePt" dir="t"/>
+    </dgm:scene3d>
+    <dgm:sp3d/>
+    <dgm:txPr/>
+    <dgm:style>
+      <a:lnRef idx="2">
+        <a:scrgbClr r="0" g="0" b="0"/>
+      </a:lnRef>
+      <a:fillRef idx="1">
+        <a:scrgbClr r="0" g="0" b="0"/>
+      </a:fillRef>
+      <a:effectRef idx="0">
+        <a:scrgbClr r="0" g="0" b="0"/>
+      </a:effectRef>
+      <a:fontRef idx="minor"/>
+    </dgm:style>
+  </dgm:styleLbl>
+  <dgm:styleLbl name="alignAcc1">
+    <dgm:scene3d>
+      <a:camera prst="orthographicFront"/>
+      <a:lightRig rig="threePt" dir="t"/>
+    </dgm:scene3d>
+    <dgm:sp3d/>
+    <dgm:txPr/>
+    <dgm:style>
+      <a:lnRef idx="2">
+        <a:scrgbClr r="0" g="0" b="0"/>
+      </a:lnRef>
+      <a:fillRef idx="1">
+        <a:scrgbClr r="0" g="0" b="0"/>
+      </a:fillRef>
+      <a:effectRef idx="0">
+        <a:scrgbClr r="0" g="0" b="0"/>
+      </a:effectRef>
+      <a:fontRef idx="minor"/>
+    </dgm:style>
+  </dgm:styleLbl>
+  <dgm:styleLbl name="trAlignAcc1">
+    <dgm:scene3d>
+      <a:camera prst="orthographicFront"/>
+      <a:lightRig rig="threePt" dir="t"/>
+    </dgm:scene3d>
+    <dgm:sp3d/>
+    <dgm:txPr/>
+    <dgm:style>
+      <a:lnRef idx="1">
+        <a:scrgbClr r="0" g="0" b="0"/>
+      </a:lnRef>
+      <a:fillRef idx="1">
+        <a:scrgbClr r="0" g="0" b="0"/>
+      </a:fillRef>
+      <a:effectRef idx="0">
+        <a:scrgbClr r="0" g="0" b="0"/>
+      </a:effectRef>
+      <a:fontRef idx="minor"/>
+    </dgm:style>
+  </dgm:styleLbl>
+  <dgm:styleLbl name="bgAcc1">
+    <dgm:scene3d>
+      <a:camera prst="orthographicFront"/>
+      <a:lightRig rig="threePt" dir="t"/>
+    </dgm:scene3d>
+    <dgm:sp3d/>
+    <dgm:txPr/>
+    <dgm:style>
+      <a:lnRef idx="2">
+        <a:scrgbClr r="0" g="0" b="0"/>
+      </a:lnRef>
+      <a:fillRef idx="1">
+        <a:scrgbClr r="0" g="0" b="0"/>
+      </a:fillRef>
+      <a:effectRef idx="0">
+        <a:scrgbClr r="0" g="0" b="0"/>
+      </a:effectRef>
+      <a:fontRef idx="minor"/>
+    </dgm:style>
+  </dgm:styleLbl>
+  <dgm:styleLbl name="solidFgAcc1">
+    <dgm:scene3d>
+      <a:camera prst="orthographicFront"/>
+      <a:lightRig rig="threePt" dir="t"/>
+    </dgm:scene3d>
+    <dgm:sp3d/>
+    <dgm:txPr/>
+    <dgm:style>
+      <a:lnRef idx="2">
+        <a:scrgbClr r="0" g="0" b="0"/>
+      </a:lnRef>
+      <a:fillRef idx="1">
+        <a:scrgbClr r="0" g="0" b="0"/>
+      </a:fillRef>
+      <a:effectRef idx="0">
+        <a:scrgbClr r="0" g="0" b="0"/>
+      </a:effectRef>
+      <a:fontRef idx="minor"/>
+    </dgm:style>
+  </dgm:styleLbl>
+  <dgm:styleLbl name="solidAlignAcc1">
+    <dgm:scene3d>
+      <a:camera prst="orthographicFront"/>
+      <a:lightRig rig="threePt" dir="t"/>
+    </dgm:scene3d>
+    <dgm:sp3d/>
+    <dgm:txPr/>
+    <dgm:style>
+      <a:lnRef idx="2">
+        <a:scrgbClr r="0" g="0" b="0"/>
+      </a:lnRef>
+      <a:fillRef idx="1">
+        <a:scrgbClr r="0" g="0" b="0"/>
+      </a:fillRef>
+      <a:effectRef idx="0">
+        <a:scrgbClr r="0" g="0" b="0"/>
+      </a:effectRef>
+      <a:fontRef idx="minor"/>
+    </dgm:style>
+  </dgm:styleLbl>
+  <dgm:styleLbl name="solidBgAcc1">
+    <dgm:scene3d>
+      <a:camera prst="orthographicFront"/>
+      <a:lightRig rig="threePt" dir="t"/>
+    </dgm:scene3d>
+    <dgm:sp3d/>
+    <dgm:txPr/>
+    <dgm:style>
+      <a:lnRef idx="2">
+        <a:scrgbClr r="0" g="0" b="0"/>
+      </a:lnRef>
+      <a:fillRef idx="1">
+        <a:scrgbClr r="0" g="0" b="0"/>
+      </a:fillRef>
+      <a:effectRef idx="0">
+        <a:scrgbClr r="0" g="0" b="0"/>
+      </a:effectRef>
+      <a:fontRef idx="minor"/>
+    </dgm:style>
+  </dgm:styleLbl>
+  <dgm:styleLbl name="fgAccFollowNode1">
+    <dgm:scene3d>
+      <a:camera prst="orthographicFront"/>
+      <a:lightRig rig="threePt" dir="t"/>
+    </dgm:scene3d>
+    <dgm:sp3d/>
+    <dgm:txPr/>
+    <dgm:style>
+      <a:lnRef idx="2">
+        <a:scrgbClr r="0" g="0" b="0"/>
+      </a:lnRef>
+      <a:fillRef idx="1">
+        <a:scrgbClr r="0" g="0" b="0"/>
+      </a:fillRef>
+      <a:effectRef idx="0">
+        <a:scrgbClr r="0" g="0" b="0"/>
+      </a:effectRef>
+      <a:fontRef idx="minor"/>
+    </dgm:style>
+  </dgm:styleLbl>
+  <dgm:styleLbl name="alignAccFollowNode1">
+    <dgm:scene3d>
+      <a:camera prst="orthographicFront"/>
+      <a:lightRig rig="threePt" dir="t"/>
+    </dgm:scene3d>
+    <dgm:sp3d/>
+    <dgm:txPr/>
+    <dgm:style>
+      <a:lnRef idx="2">
+        <a:scrgbClr r="0" g="0" b="0"/>
+      </a:lnRef>
+      <a:fillRef idx="1">
+        <a:scrgbClr r="0" g="0" b="0"/>
+      </a:fillRef>
+      <a:effectRef idx="0">
+        <a:scrgbClr r="0" g="0" b="0"/>
+      </a:effectRef>
+      <a:fontRef idx="minor"/>
+    </dgm:style>
+  </dgm:styleLbl>
+  <dgm:styleLbl name="bgAccFollowNode1">
+    <dgm:scene3d>
+      <a:camera prst="orthographicFront"/>
+      <a:lightRig rig="threePt" dir="t"/>
+    </dgm:scene3d>
+    <dgm:sp3d/>
+    <dgm:txPr/>
+    <dgm:style>
+      <a:lnRef idx="2">
+        <a:scrgbClr r="0" g="0" b="0"/>
+      </a:lnRef>
+      <a:fillRef idx="1">
+        <a:scrgbClr r="0" g="0" b="0"/>
+      </a:fillRef>
+      <a:effectRef idx="0">
+        <a:scrgbClr r="0" g="0" b="0"/>
+      </a:effectRef>
+      <a:fontRef idx="minor"/>
+    </dgm:style>
+  </dgm:styleLbl>
+  <dgm:styleLbl name="fgAcc0">
+    <dgm:scene3d>
+      <a:camera prst="orthographicFront"/>
+      <a:lightRig rig="threePt" dir="t"/>
+    </dgm:scene3d>
+    <dgm:sp3d/>
+    <dgm:txPr/>
+    <dgm:style>
+      <a:lnRef idx="2">
+        <a:scrgbClr r="0" g="0" b="0"/>
+      </a:lnRef>
+      <a:fillRef idx="1">
+        <a:scrgbClr r="0" g="0" b="0"/>
+      </a:fillRef>
+      <a:effectRef idx="0">
+        <a:scrgbClr r="0" g="0" b="0"/>
+      </a:effectRef>
+      <a:fontRef idx="minor"/>
+    </dgm:style>
+  </dgm:styleLbl>
+  <dgm:styleLbl name="fgAcc2">
+    <dgm:scene3d>
+      <a:camera prst="orthographicFront"/>
+      <a:lightRig rig="threePt" dir="t"/>
+    </dgm:scene3d>
+    <dgm:sp3d/>
+    <dgm:txPr/>
+    <dgm:style>
+      <a:lnRef idx="2">
+        <a:scrgbClr r="0" g="0" b="0"/>
+      </a:lnRef>
+      <a:fillRef idx="1">
+        <a:scrgbClr r="0" g="0" b="0"/>
+      </a:fillRef>
+      <a:effectRef idx="0">
+        <a:scrgbClr r="0" g="0" b="0"/>
+      </a:effectRef>
+      <a:fontRef idx="minor"/>
+    </dgm:style>
+  </dgm:styleLbl>
+  <dgm:styleLbl name="fgAcc3">
+    <dgm:scene3d>
+      <a:camera prst="orthographicFront"/>
+      <a:lightRig rig="threePt" dir="t"/>
+    </dgm:scene3d>
+    <dgm:sp3d/>
+    <dgm:txPr/>
+    <dgm:style>
+      <a:lnRef idx="2">
+        <a:scrgbClr r="0" g="0" b="0"/>
+      </a:lnRef>
+      <a:fillRef idx="1">
+        <a:scrgbClr r="0" g="0" b="0"/>
+      </a:fillRef>
+      <a:effectRef idx="0">
+        <a:scrgbClr r="0" g="0" b="0"/>
+      </a:effectRef>
+      <a:fontRef idx="minor"/>
+    </dgm:style>
+  </dgm:styleLbl>
+  <dgm:styleLbl name="fgAcc4">
+    <dgm:scene3d>
+      <a:camera prst="orthographicFront"/>
+      <a:lightRig rig="threePt" dir="t"/>
+    </dgm:scene3d>
+    <dgm:sp3d/>
+    <dgm:txPr/>
+    <dgm:style>
+      <a:lnRef idx="2">
+        <a:scrgbClr r="0" g="0" b="0"/>
+      </a:lnRef>
+      <a:fillRef idx="1">
+        <a:scrgbClr r="0" g="0" b="0"/>
+      </a:fillRef>
+      <a:effectRef idx="0">
+        <a:scrgbClr r="0" g="0" b="0"/>
+      </a:effectRef>
+      <a:fontRef idx="minor"/>
+    </dgm:style>
+  </dgm:styleLbl>
+  <dgm:styleLbl name="bgShp">
+    <dgm:scene3d>
+      <a:camera prst="orthographicFront"/>
+      <a:lightRig rig="threePt" dir="t"/>
+    </dgm:scene3d>
+    <dgm:sp3d/>
+    <dgm:txPr/>
+    <dgm:style>
+      <a:lnRef idx="0">
+        <a:scrgbClr r="0" g="0" b="0"/>
+      </a:lnRef>
+      <a:fillRef idx="1">
+        <a:scrgbClr r="0" g="0" b="0"/>
+      </a:fillRef>
+      <a:effectRef idx="0">
+        <a:scrgbClr r="0" g="0" b="0"/>
+      </a:effectRef>
+      <a:fontRef idx="minor"/>
+    </dgm:style>
+  </dgm:styleLbl>
+  <dgm:styleLbl name="dkBgShp">
+    <dgm:scene3d>
+      <a:camera prst="orthographicFront"/>
+      <a:lightRig rig="threePt" dir="t"/>
+    </dgm:scene3d>
+    <dgm:sp3d/>
+    <dgm:txPr/>
+    <dgm:style>
+      <a:lnRef idx="0">
+        <a:scrgbClr r="0" g="0" b="0"/>
+      </a:lnRef>
+      <a:fillRef idx="1">
+        <a:scrgbClr r="0" g="0" b="0"/>
+      </a:fillRef>
+      <a:effectRef idx="0">
+        <a:scrgbClr r="0" g="0" b="0"/>
+      </a:effectRef>
+      <a:fontRef idx="minor"/>
+    </dgm:style>
+  </dgm:styleLbl>
+  <dgm:styleLbl name="trBgShp">
+    <dgm:scene3d>
+      <a:camera prst="orthographicFront"/>
+      <a:lightRig rig="threePt" dir="t"/>
+    </dgm:scene3d>
+    <dgm:sp3d/>
+    <dgm:txPr/>
+    <dgm:style>
+      <a:lnRef idx="0">
+        <a:scrgbClr r="0" g="0" b="0"/>
+      </a:lnRef>
+      <a:fillRef idx="1">
+        <a:scrgbClr r="0" g="0" b="0"/>
+      </a:fillRef>
+      <a:effectRef idx="0">
+        <a:scrgbClr r="0" g="0" b="0"/>
+      </a:effectRef>
+      <a:fontRef idx="minor"/>
+    </dgm:style>
+  </dgm:styleLbl>
+  <dgm:styleLbl name="fgShp">
+    <dgm:scene3d>
+      <a:camera prst="orthographicFront"/>
+      <a:lightRig rig="threePt" dir="t"/>
+    </dgm:scene3d>
+    <dgm:sp3d/>
+    <dgm:txPr/>
+    <dgm:style>
+      <a:lnRef idx="2">
+        <a:scrgbClr r="0" g="0" b="0"/>
+      </a:lnRef>
+      <a:fillRef idx="1">
+        <a:scrgbClr r="0" g="0" b="0"/>
+      </a:fillRef>
+      <a:effectRef idx="0">
+        <a:scrgbClr r="0" g="0" b="0"/>
+      </a:effectRef>
+      <a:fontRef idx="minor"/>
+    </dgm:style>
+  </dgm:styleLbl>
+  <dgm:styleLbl name="revTx">
+    <dgm:scene3d>
+      <a:camera prst="orthographicFront"/>
+      <a:lightRig rig="threePt" dir="t"/>
+    </dgm:scene3d>
+    <dgm:sp3d/>
+    <dgm:txPr/>
+    <dgm:style>
+      <a:lnRef idx="0">
+        <a:scrgbClr r="0" g="0" b="0"/>
+      </a:lnRef>
+      <a:fillRef idx="0">
+        <a:scrgbClr r="0" g="0" b="0"/>
+      </a:fillRef>
+      <a:effectRef idx="0">
+        <a:scrgbClr r="0" g="0" b="0"/>
+      </a:effectRef>
+      <a:fontRef idx="minor"/>
+    </dgm:style>
+  </dgm:styleLbl>
+</dgm:styleDef>
+</file>
+
 <file path=ppt/diagrams/quickStyle4.xml><?xml version="1.0" encoding="utf-8"?>
 <dgm:styleDef xmlns:dgm="http://schemas.openxmlformats.org/drawingml/2006/diagram" xmlns:a="http://schemas.openxmlformats.org/drawingml/2006/main" uniqueId="urn:microsoft.com/office/officeart/2005/8/quickstyle/simple1">
   <dgm:title val=""/>
@@ -23677,7 +25765,7 @@
           <a:p>
             <a:fld id="{C51B17D4-DC6E-4724-9B7C-741E59074303}" type="datetimeFigureOut">
               <a:rPr lang="en-US" smtClean="0"/>
-              <a:t>10/26/2019</a:t>
+              <a:t>11/4/2019</a:t>
             </a:fld>
             <a:endParaRPr lang="en-US"/>
           </a:p>
@@ -24431,7 +26519,7 @@
           <a:p>
             <a:fld id="{339241EC-D061-4F5F-B91C-1CF8A8351088}" type="datetimeFigureOut">
               <a:rPr lang="en-US" smtClean="0"/>
-              <a:t>10/26/2019</a:t>
+              <a:t>11/4/2019</a:t>
             </a:fld>
             <a:endParaRPr lang="en-US"/>
           </a:p>
@@ -24639,7 +26727,7 @@
           <a:p>
             <a:fld id="{339241EC-D061-4F5F-B91C-1CF8A8351088}" type="datetimeFigureOut">
               <a:rPr lang="en-US" smtClean="0"/>
-              <a:t>10/26/2019</a:t>
+              <a:t>11/4/2019</a:t>
             </a:fld>
             <a:endParaRPr lang="en-US"/>
           </a:p>
@@ -24895,7 +26983,7 @@
           <a:p>
             <a:fld id="{339241EC-D061-4F5F-B91C-1CF8A8351088}" type="datetimeFigureOut">
               <a:rPr lang="en-US" smtClean="0"/>
-              <a:t>10/26/2019</a:t>
+              <a:t>11/4/2019</a:t>
             </a:fld>
             <a:endParaRPr lang="en-US"/>
           </a:p>
@@ -25065,7 +27153,7 @@
           <a:p>
             <a:fld id="{339241EC-D061-4F5F-B91C-1CF8A8351088}" type="datetimeFigureOut">
               <a:rPr lang="en-US" smtClean="0"/>
-              <a:t>10/26/2019</a:t>
+              <a:t>11/4/2019</a:t>
             </a:fld>
             <a:endParaRPr lang="en-US"/>
           </a:p>
@@ -25408,7 +27496,7 @@
           <a:p>
             <a:fld id="{339241EC-D061-4F5F-B91C-1CF8A8351088}" type="datetimeFigureOut">
               <a:rPr lang="en-US" smtClean="0"/>
-              <a:t>10/26/2019</a:t>
+              <a:t>11/4/2019</a:t>
             </a:fld>
             <a:endParaRPr lang="en-US"/>
           </a:p>
@@ -25683,7 +27771,7 @@
           <a:p>
             <a:fld id="{339241EC-D061-4F5F-B91C-1CF8A8351088}" type="datetimeFigureOut">
               <a:rPr lang="en-US" smtClean="0"/>
-              <a:t>10/26/2019</a:t>
+              <a:t>11/4/2019</a:t>
             </a:fld>
             <a:endParaRPr lang="en-US"/>
           </a:p>
@@ -26062,7 +28150,7 @@
           <a:p>
             <a:fld id="{339241EC-D061-4F5F-B91C-1CF8A8351088}" type="datetimeFigureOut">
               <a:rPr lang="en-US" smtClean="0"/>
-              <a:t>10/26/2019</a:t>
+              <a:t>11/4/2019</a:t>
             </a:fld>
             <a:endParaRPr lang="en-US"/>
           </a:p>
@@ -26180,7 +28268,7 @@
           <a:p>
             <a:fld id="{339241EC-D061-4F5F-B91C-1CF8A8351088}" type="datetimeFigureOut">
               <a:rPr lang="en-US" smtClean="0"/>
-              <a:t>10/26/2019</a:t>
+              <a:t>11/4/2019</a:t>
             </a:fld>
             <a:endParaRPr lang="en-US"/>
           </a:p>
@@ -26351,7 +28439,7 @@
           <a:p>
             <a:fld id="{339241EC-D061-4F5F-B91C-1CF8A8351088}" type="datetimeFigureOut">
               <a:rPr lang="en-US" smtClean="0"/>
-              <a:t>10/26/2019</a:t>
+              <a:t>11/4/2019</a:t>
             </a:fld>
             <a:endParaRPr lang="en-US"/>
           </a:p>
@@ -26705,7 +28793,7 @@
           <a:p>
             <a:fld id="{339241EC-D061-4F5F-B91C-1CF8A8351088}" type="datetimeFigureOut">
               <a:rPr lang="en-US" smtClean="0"/>
-              <a:t>10/26/2019</a:t>
+              <a:t>11/4/2019</a:t>
             </a:fld>
             <a:endParaRPr lang="en-US"/>
           </a:p>
@@ -27082,7 +29170,7 @@
           <a:p>
             <a:fld id="{339241EC-D061-4F5F-B91C-1CF8A8351088}" type="datetimeFigureOut">
               <a:rPr lang="en-US" smtClean="0"/>
-              <a:t>10/26/2019</a:t>
+              <a:t>11/4/2019</a:t>
             </a:fld>
             <a:endParaRPr lang="en-US"/>
           </a:p>
@@ -27369,7 +29457,7 @@
           <a:p>
             <a:fld id="{339241EC-D061-4F5F-B91C-1CF8A8351088}" type="datetimeFigureOut">
               <a:rPr lang="en-US" smtClean="0"/>
-              <a:t>10/26/2019</a:t>
+              <a:t>11/4/2019</a:t>
             </a:fld>
             <a:endParaRPr lang="en-US"/>
           </a:p>
@@ -27935,7 +30023,7 @@
         </p:spPr>
         <p:txBody>
           <a:bodyPr vert="horz" lIns="91440" tIns="45720" rIns="91440" bIns="45720" rtlCol="0" anchor="t">
-            <a:normAutofit/>
+            <a:normAutofit fontScale="92500" lnSpcReduction="20000"/>
           </a:bodyPr>
           <a:lstStyle/>
           <a:p>
@@ -27944,6 +30032,14 @@
                 <a:cs typeface="Calibri"/>
               </a:rPr>
               <a:t>Alicia DeLouize</a:t>
+            </a:r>
+          </a:p>
+          <a:p>
+            <a:r>
+              <a:rPr lang="en-US" sz="1900" dirty="0">
+                <a:cs typeface="Calibri"/>
+              </a:rPr>
+              <a:t>adelouiz@uoregon.edu</a:t>
             </a:r>
           </a:p>
           <a:p>
@@ -32001,8 +34097,8 @@
           </a:p>
         </p:txBody>
       </p:sp>
-      <mc:AlternateContent xmlns:mc="http://schemas.openxmlformats.org/markup-compatibility/2006">
-        <mc:Choice xmlns:a14="http://schemas.microsoft.com/office/drawing/2010/main" Requires="a14">
+      <mc:AlternateContent xmlns:mc="http://schemas.openxmlformats.org/markup-compatibility/2006" xmlns:a14="http://schemas.microsoft.com/office/drawing/2010/main">
+        <mc:Choice Requires="a14">
           <p:graphicFrame>
             <p:nvGraphicFramePr>
               <p:cNvPr id="6" name="Diagram 5">
@@ -32032,7 +34128,7 @@
             </a:graphic>
           </p:graphicFrame>
         </mc:Choice>
-        <mc:Fallback>
+        <mc:Fallback xmlns="">
           <p:graphicFrame>
             <p:nvGraphicFramePr>
               <p:cNvPr id="6" name="Diagram 5">
@@ -32057,7 +34153,7 @@
             </p:xfrm>
             <a:graphic>
               <a:graphicData uri="http://schemas.openxmlformats.org/drawingml/2006/diagram">
-                <dgm:relIds xmlns:dgm="http://schemas.openxmlformats.org/drawingml/2006/diagram" xmlns:r="http://schemas.openxmlformats.org/officeDocument/2006/relationships" r:dm="rId7" r:lo="rId3" r:qs="rId4" r:cs="rId5"/>
+                <dgm:relIds xmlns:dgm="http://schemas.openxmlformats.org/drawingml/2006/diagram" xmlns:r="http://schemas.openxmlformats.org/officeDocument/2006/relationships" r:dm="rId7" r:lo="rId8" r:qs="rId9" r:cs="rId10"/>
               </a:graphicData>
             </a:graphic>
           </p:graphicFrame>
@@ -43142,18 +45238,18 @@
 </file>
 
 <file path=customXml/item2.xml><?xml version="1.0" encoding="utf-8"?>
+<p:properties xmlns:p="http://schemas.microsoft.com/office/2006/metadata/properties" xmlns:xsi="http://www.w3.org/2001/XMLSchema-instance" xmlns:pc="http://schemas.microsoft.com/office/infopath/2007/PartnerControls">
+  <documentManagement/>
+</p:properties>
+</file>
+
+<file path=customXml/item3.xml><?xml version="1.0" encoding="utf-8"?>
 <?mso-contentType ?>
 <FormTemplates xmlns="http://schemas.microsoft.com/sharepoint/v3/contenttype/forms">
   <Display>DocumentLibraryForm</Display>
   <Edit>DocumentLibraryForm</Edit>
   <New>DocumentLibraryForm</New>
 </FormTemplates>
-</file>
-
-<file path=customXml/item3.xml><?xml version="1.0" encoding="utf-8"?>
-<p:properties xmlns:p="http://schemas.microsoft.com/office/2006/metadata/properties" xmlns:xsi="http://www.w3.org/2001/XMLSchema-instance" xmlns:pc="http://schemas.microsoft.com/office/infopath/2007/PartnerControls">
-  <documentManagement/>
-</p:properties>
 </file>
 
 <file path=customXml/itemProps1.xml><?xml version="1.0" encoding="utf-8"?>
@@ -43176,18 +45272,26 @@
 </file>
 
 <file path=customXml/itemProps2.xml><?xml version="1.0" encoding="utf-8"?>
+<ds:datastoreItem xmlns:ds="http://schemas.openxmlformats.org/officeDocument/2006/customXml" ds:itemID="{8AF7E0D0-1AF6-477F-9777-00A70FD5A5BD}">
+  <ds:schemaRefs>
+    <ds:schemaRef ds:uri="http://purl.org/dc/terms/"/>
+    <ds:schemaRef ds:uri="http://schemas.microsoft.com/office/2006/documentManagement/types"/>
+    <ds:schemaRef ds:uri="http://purl.org/dc/dcmitype/"/>
+    <ds:schemaRef ds:uri="http://schemas.microsoft.com/office/infopath/2007/PartnerControls"/>
+    <ds:schemaRef ds:uri="313c0759-c51f-4b96-98e6-abe85e6d66dc"/>
+    <ds:schemaRef ds:uri="http://schemas.openxmlformats.org/package/2006/metadata/core-properties"/>
+    <ds:schemaRef ds:uri="http://schemas.microsoft.com/office/2006/metadata/properties"/>
+    <ds:schemaRef ds:uri="d2573b81-9571-4aa1-954d-ad8635863dab"/>
+    <ds:schemaRef ds:uri="http://www.w3.org/XML/1998/namespace"/>
+    <ds:schemaRef ds:uri="http://purl.org/dc/elements/1.1/"/>
+  </ds:schemaRefs>
+</ds:datastoreItem>
+</file>
+
+<file path=customXml/itemProps3.xml><?xml version="1.0" encoding="utf-8"?>
 <ds:datastoreItem xmlns:ds="http://schemas.openxmlformats.org/officeDocument/2006/customXml" ds:itemID="{D2852266-749D-4077-8ABC-A7C61D487504}">
   <ds:schemaRefs>
     <ds:schemaRef ds:uri="http://schemas.microsoft.com/sharepoint/v3/contenttype/forms"/>
   </ds:schemaRefs>
 </ds:datastoreItem>
-</file>
-
-<file path=customXml/itemProps3.xml><?xml version="1.0" encoding="utf-8"?>
-<ds:datastoreItem xmlns:ds="http://schemas.openxmlformats.org/officeDocument/2006/customXml" ds:itemID="{8AF7E0D0-1AF6-477F-9777-00A70FD5A5BD}">
-  <ds:schemaRefs>
-    <ds:schemaRef ds:uri="http://schemas.microsoft.com/office/2006/metadata/properties"/>
-    <ds:schemaRef ds:uri="http://schemas.microsoft.com/office/infopath/2007/PartnerControls"/>
-  </ds:schemaRefs>
-</ds:datastoreItem>
 </file>